--- a/Rhythm Game.pptx
+++ b/Rhythm Game.pptx
@@ -5,25 +5,26 @@
     <p:sldMasterId id="2147483684" r:id="rId4"/>
   </p:sldMasterIdLst>
   <p:notesMasterIdLst>
-    <p:notesMasterId r:id="rId18"/>
+    <p:notesMasterId r:id="rId19"/>
   </p:notesMasterIdLst>
   <p:handoutMasterIdLst>
-    <p:handoutMasterId r:id="rId19"/>
+    <p:handoutMasterId r:id="rId20"/>
   </p:handoutMasterIdLst>
   <p:sldIdLst>
     <p:sldId id="257" r:id="rId5"/>
     <p:sldId id="389" r:id="rId6"/>
     <p:sldId id="384" r:id="rId7"/>
-    <p:sldId id="317" r:id="rId8"/>
-    <p:sldId id="277" r:id="rId9"/>
-    <p:sldId id="278" r:id="rId10"/>
-    <p:sldId id="279" r:id="rId11"/>
-    <p:sldId id="268" r:id="rId12"/>
-    <p:sldId id="272" r:id="rId13"/>
-    <p:sldId id="270" r:id="rId14"/>
-    <p:sldId id="281" r:id="rId15"/>
-    <p:sldId id="321" r:id="rId16"/>
-    <p:sldId id="391" r:id="rId17"/>
+    <p:sldId id="392" r:id="rId8"/>
+    <p:sldId id="317" r:id="rId9"/>
+    <p:sldId id="277" r:id="rId10"/>
+    <p:sldId id="278" r:id="rId11"/>
+    <p:sldId id="279" r:id="rId12"/>
+    <p:sldId id="268" r:id="rId13"/>
+    <p:sldId id="272" r:id="rId14"/>
+    <p:sldId id="270" r:id="rId15"/>
+    <p:sldId id="281" r:id="rId16"/>
+    <p:sldId id="321" r:id="rId17"/>
+    <p:sldId id="391" r:id="rId18"/>
   </p:sldIdLst>
   <p:sldSz cx="12192000" cy="6858000"/>
   <p:notesSz cx="6858000" cy="9144000"/>
@@ -142,6 +143,464 @@
     </p:ext>
   </p:extLst>
 </p:presentation>
+</file>
+
+<file path=ppt/revisionInfo.xml><?xml version="1.0" encoding="utf-8"?>
+<p1510:revInfo xmlns:a="http://schemas.openxmlformats.org/drawingml/2006/main" xmlns:r="http://schemas.openxmlformats.org/officeDocument/2006/relationships" xmlns:p1510="http://schemas.microsoft.com/office/powerpoint/2015/10/main">
+  <p1510:revLst>
+    <p1510:client id="{F7658383-CE00-4F7C-8F40-90B1C01FE816}" v="133" dt="2022-12-02T12:27:13.534"/>
+  </p1510:revLst>
+</p1510:revInfo>
+</file>
+
+<file path=ppt/changesInfos/changesInfo1.xml><?xml version="1.0" encoding="utf-8"?>
+<pc:chgInfo xmlns:a="http://schemas.openxmlformats.org/drawingml/2006/main" xmlns:r="http://schemas.openxmlformats.org/officeDocument/2006/relationships" xmlns:ac="http://schemas.microsoft.com/office/drawing/2013/main/command" xmlns:pc="http://schemas.microsoft.com/office/powerpoint/2013/main/command">
+  <pc:docChgLst>
+    <pc:chgData name="이 상민" userId="7f608b41624e15f1" providerId="LiveId" clId="{F7658383-CE00-4F7C-8F40-90B1C01FE816}"/>
+    <pc:docChg chg="undo custSel addSld modSld">
+      <pc:chgData name="이 상민" userId="7f608b41624e15f1" providerId="LiveId" clId="{F7658383-CE00-4F7C-8F40-90B1C01FE816}" dt="2022-12-02T12:28:38.407" v="918" actId="478"/>
+      <pc:docMkLst>
+        <pc:docMk/>
+      </pc:docMkLst>
+      <pc:sldChg chg="modSp mod">
+        <pc:chgData name="이 상민" userId="7f608b41624e15f1" providerId="LiveId" clId="{F7658383-CE00-4F7C-8F40-90B1C01FE816}" dt="2022-12-02T12:24:36.638" v="381" actId="14100"/>
+        <pc:sldMkLst>
+          <pc:docMk/>
+          <pc:sldMk cId="3740286033" sldId="277"/>
+        </pc:sldMkLst>
+        <pc:spChg chg="mod">
+          <ac:chgData name="이 상민" userId="7f608b41624e15f1" providerId="LiveId" clId="{F7658383-CE00-4F7C-8F40-90B1C01FE816}" dt="2022-12-02T12:24:36.638" v="381" actId="14100"/>
+          <ac:spMkLst>
+            <pc:docMk/>
+            <pc:sldMk cId="3740286033" sldId="277"/>
+            <ac:spMk id="7" creationId="{3E174092-82D3-44E0-8948-4096232ED0A7}"/>
+          </ac:spMkLst>
+        </pc:spChg>
+      </pc:sldChg>
+      <pc:sldChg chg="addSp delSp modSp mod setBg chgLayout">
+        <pc:chgData name="이 상민" userId="7f608b41624e15f1" providerId="LiveId" clId="{F7658383-CE00-4F7C-8F40-90B1C01FE816}" dt="2022-12-02T12:24:13.907" v="361" actId="20577"/>
+        <pc:sldMkLst>
+          <pc:docMk/>
+          <pc:sldMk cId="560021826" sldId="317"/>
+        </pc:sldMkLst>
+        <pc:spChg chg="del">
+          <ac:chgData name="이 상민" userId="7f608b41624e15f1" providerId="LiveId" clId="{F7658383-CE00-4F7C-8F40-90B1C01FE816}" dt="2022-12-02T12:19:03.108" v="70" actId="478"/>
+          <ac:spMkLst>
+            <pc:docMk/>
+            <pc:sldMk cId="560021826" sldId="317"/>
+            <ac:spMk id="2" creationId="{2910D835-B454-4270-BB35-86A187307E6F}"/>
+          </ac:spMkLst>
+        </pc:spChg>
+        <pc:spChg chg="del">
+          <ac:chgData name="이 상민" userId="7f608b41624e15f1" providerId="LiveId" clId="{F7658383-CE00-4F7C-8F40-90B1C01FE816}" dt="2022-12-02T12:19:04.391" v="71" actId="478"/>
+          <ac:spMkLst>
+            <pc:docMk/>
+            <pc:sldMk cId="560021826" sldId="317"/>
+            <ac:spMk id="3" creationId="{7F7F653B-90B5-4F47-A33F-93DCB2EF68C2}"/>
+          </ac:spMkLst>
+        </pc:spChg>
+        <pc:spChg chg="mod modVis">
+          <ac:chgData name="이 상민" userId="7f608b41624e15f1" providerId="LiveId" clId="{F7658383-CE00-4F7C-8F40-90B1C01FE816}" dt="2022-12-02T12:20:28.255" v="81" actId="26606"/>
+          <ac:spMkLst>
+            <pc:docMk/>
+            <pc:sldMk cId="560021826" sldId="317"/>
+            <ac:spMk id="4" creationId="{E1E7D98D-6710-41D2-B258-E1A1059D29F8}"/>
+          </ac:spMkLst>
+        </pc:spChg>
+        <pc:spChg chg="add del mod">
+          <ac:chgData name="이 상민" userId="7f608b41624e15f1" providerId="LiveId" clId="{F7658383-CE00-4F7C-8F40-90B1C01FE816}" dt="2022-12-02T12:20:19.406" v="80" actId="478"/>
+          <ac:spMkLst>
+            <pc:docMk/>
+            <pc:sldMk cId="560021826" sldId="317"/>
+            <ac:spMk id="9" creationId="{5B487C85-7D0F-F973-060F-C8D2AD914484}"/>
+          </ac:spMkLst>
+        </pc:spChg>
+        <pc:spChg chg="add mod">
+          <ac:chgData name="이 상민" userId="7f608b41624e15f1" providerId="LiveId" clId="{F7658383-CE00-4F7C-8F40-90B1C01FE816}" dt="2022-12-02T12:24:06.470" v="359" actId="403"/>
+          <ac:spMkLst>
+            <pc:docMk/>
+            <pc:sldMk cId="560021826" sldId="317"/>
+            <ac:spMk id="11" creationId="{14544F0A-53B4-E6FE-BC78-A8E7E260E242}"/>
+          </ac:spMkLst>
+        </pc:spChg>
+        <pc:spChg chg="mod">
+          <ac:chgData name="이 상민" userId="7f608b41624e15f1" providerId="LiveId" clId="{F7658383-CE00-4F7C-8F40-90B1C01FE816}" dt="2022-12-02T12:22:36.855" v="267" actId="122"/>
+          <ac:spMkLst>
+            <pc:docMk/>
+            <pc:sldMk cId="560021826" sldId="317"/>
+            <ac:spMk id="15" creationId="{40F1DF5B-353A-4270-8C10-6A1509441174}"/>
+          </ac:spMkLst>
+        </pc:spChg>
+        <pc:spChg chg="mod">
+          <ac:chgData name="이 상민" userId="7f608b41624e15f1" providerId="LiveId" clId="{F7658383-CE00-4F7C-8F40-90B1C01FE816}" dt="2022-12-02T12:24:13.907" v="361" actId="20577"/>
+          <ac:spMkLst>
+            <pc:docMk/>
+            <pc:sldMk cId="560021826" sldId="317"/>
+            <ac:spMk id="16" creationId="{4BDCF583-1D5D-4235-97C2-39272B80A0B1}"/>
+          </ac:spMkLst>
+        </pc:spChg>
+        <pc:spChg chg="del">
+          <ac:chgData name="이 상민" userId="7f608b41624e15f1" providerId="LiveId" clId="{F7658383-CE00-4F7C-8F40-90B1C01FE816}" dt="2022-12-02T12:20:28.255" v="81" actId="26606"/>
+          <ac:spMkLst>
+            <pc:docMk/>
+            <pc:sldMk cId="560021826" sldId="317"/>
+            <ac:spMk id="34" creationId="{82184FF4-7029-4ED7-813A-192E60608764}"/>
+          </ac:spMkLst>
+        </pc:spChg>
+        <pc:spChg chg="del">
+          <ac:chgData name="이 상민" userId="7f608b41624e15f1" providerId="LiveId" clId="{F7658383-CE00-4F7C-8F40-90B1C01FE816}" dt="2022-12-02T12:20:28.255" v="81" actId="26606"/>
+          <ac:spMkLst>
+            <pc:docMk/>
+            <pc:sldMk cId="560021826" sldId="317"/>
+            <ac:spMk id="36" creationId="{AAA7AB09-557C-41AD-9113-FF9F68FA1035}"/>
+          </ac:spMkLst>
+        </pc:spChg>
+        <pc:spChg chg="del">
+          <ac:chgData name="이 상민" userId="7f608b41624e15f1" providerId="LiveId" clId="{F7658383-CE00-4F7C-8F40-90B1C01FE816}" dt="2022-12-02T12:20:28.255" v="81" actId="26606"/>
+          <ac:spMkLst>
+            <pc:docMk/>
+            <pc:sldMk cId="560021826" sldId="317"/>
+            <ac:spMk id="38" creationId="{EF99ECAA-1F11-4937-BBA6-51935AB44C9D}"/>
+          </ac:spMkLst>
+        </pc:spChg>
+        <pc:spChg chg="del">
+          <ac:chgData name="이 상민" userId="7f608b41624e15f1" providerId="LiveId" clId="{F7658383-CE00-4F7C-8F40-90B1C01FE816}" dt="2022-12-02T12:20:28.255" v="81" actId="26606"/>
+          <ac:spMkLst>
+            <pc:docMk/>
+            <pc:sldMk cId="560021826" sldId="317"/>
+            <ac:spMk id="46" creationId="{1DB043B4-68C6-45B9-82AC-A5800EADB8DB}"/>
+          </ac:spMkLst>
+        </pc:spChg>
+        <pc:spChg chg="del">
+          <ac:chgData name="이 상민" userId="7f608b41624e15f1" providerId="LiveId" clId="{F7658383-CE00-4F7C-8F40-90B1C01FE816}" dt="2022-12-02T12:20:28.255" v="81" actId="26606"/>
+          <ac:spMkLst>
+            <pc:docMk/>
+            <pc:sldMk cId="560021826" sldId="317"/>
+            <ac:spMk id="48" creationId="{3C64A91D-E535-4C24-A0E3-96A3810E3FDC}"/>
+          </ac:spMkLst>
+        </pc:spChg>
+        <pc:spChg chg="del">
+          <ac:chgData name="이 상민" userId="7f608b41624e15f1" providerId="LiveId" clId="{F7658383-CE00-4F7C-8F40-90B1C01FE816}" dt="2022-12-02T12:20:28.255" v="81" actId="26606"/>
+          <ac:spMkLst>
+            <pc:docMk/>
+            <pc:sldMk cId="560021826" sldId="317"/>
+            <ac:spMk id="50" creationId="{26FC4867-BA3E-4F8E-AB23-684F34DF3D31}"/>
+          </ac:spMkLst>
+        </pc:spChg>
+        <pc:grpChg chg="del">
+          <ac:chgData name="이 상민" userId="7f608b41624e15f1" providerId="LiveId" clId="{F7658383-CE00-4F7C-8F40-90B1C01FE816}" dt="2022-12-02T12:20:28.255" v="81" actId="26606"/>
+          <ac:grpSpMkLst>
+            <pc:docMk/>
+            <pc:sldMk cId="560021826" sldId="317"/>
+            <ac:grpSpMk id="40" creationId="{79DE9FAB-6BBA-4CFE-B67D-77B47F01ECA4}"/>
+          </ac:grpSpMkLst>
+        </pc:grpChg>
+        <pc:picChg chg="add mod ord">
+          <ac:chgData name="이 상민" userId="7f608b41624e15f1" providerId="LiveId" clId="{F7658383-CE00-4F7C-8F40-90B1C01FE816}" dt="2022-12-02T12:20:28.255" v="81" actId="26606"/>
+          <ac:picMkLst>
+            <pc:docMk/>
+            <pc:sldMk cId="560021826" sldId="317"/>
+            <ac:picMk id="6" creationId="{5CACBDEB-5AB1-9E5F-B343-797EE29A3E73}"/>
+          </ac:picMkLst>
+        </pc:picChg>
+        <pc:picChg chg="del mod">
+          <ac:chgData name="이 상민" userId="7f608b41624e15f1" providerId="LiveId" clId="{F7658383-CE00-4F7C-8F40-90B1C01FE816}" dt="2022-12-02T12:20:15.963" v="79" actId="478"/>
+          <ac:picMkLst>
+            <pc:docMk/>
+            <pc:sldMk cId="560021826" sldId="317"/>
+            <ac:picMk id="8" creationId="{5FED7C55-F545-49A1-90FD-D853A25AB453}"/>
+          </ac:picMkLst>
+        </pc:picChg>
+      </pc:sldChg>
+      <pc:sldChg chg="addSp delSp modSp mod modClrScheme chgLayout">
+        <pc:chgData name="이 상민" userId="7f608b41624e15f1" providerId="LiveId" clId="{F7658383-CE00-4F7C-8F40-90B1C01FE816}" dt="2022-12-02T12:27:17.756" v="906" actId="14100"/>
+        <pc:sldMkLst>
+          <pc:docMk/>
+          <pc:sldMk cId="2158886557" sldId="384"/>
+        </pc:sldMkLst>
+        <pc:spChg chg="mod modVis">
+          <ac:chgData name="이 상민" userId="7f608b41624e15f1" providerId="LiveId" clId="{F7658383-CE00-4F7C-8F40-90B1C01FE816}" dt="2022-12-02T12:18:23.768" v="57" actId="26606"/>
+          <ac:spMkLst>
+            <pc:docMk/>
+            <pc:sldMk cId="2158886557" sldId="384"/>
+            <ac:spMk id="6" creationId="{9ED907F8-C614-4D59-A03F-BF9CD5E35703}"/>
+          </ac:spMkLst>
+        </pc:spChg>
+        <pc:spChg chg="mod ord">
+          <ac:chgData name="이 상민" userId="7f608b41624e15f1" providerId="LiveId" clId="{F7658383-CE00-4F7C-8F40-90B1C01FE816}" dt="2022-12-02T12:18:23.768" v="57" actId="26606"/>
+          <ac:spMkLst>
+            <pc:docMk/>
+            <pc:sldMk cId="2158886557" sldId="384"/>
+            <ac:spMk id="11" creationId="{23418ADF-358F-4647-A511-FCFFEDA83429}"/>
+          </ac:spMkLst>
+        </pc:spChg>
+        <pc:spChg chg="mod ord">
+          <ac:chgData name="이 상민" userId="7f608b41624e15f1" providerId="LiveId" clId="{F7658383-CE00-4F7C-8F40-90B1C01FE816}" dt="2022-12-02T12:27:17.756" v="906" actId="14100"/>
+          <ac:spMkLst>
+            <pc:docMk/>
+            <pc:sldMk cId="2158886557" sldId="384"/>
+            <ac:spMk id="53" creationId="{23A5C9E9-38FF-AD03-41FF-A5469A0BBE1C}"/>
+          </ac:spMkLst>
+        </pc:spChg>
+        <pc:spChg chg="add del mod">
+          <ac:chgData name="이 상민" userId="7f608b41624e15f1" providerId="LiveId" clId="{F7658383-CE00-4F7C-8F40-90B1C01FE816}" dt="2022-12-02T12:18:23.768" v="57" actId="26606"/>
+          <ac:spMkLst>
+            <pc:docMk/>
+            <pc:sldMk cId="2158886557" sldId="384"/>
+            <ac:spMk id="55" creationId="{24F28C89-C5E6-8840-6794-56291CF07A30}"/>
+          </ac:spMkLst>
+        </pc:spChg>
+        <pc:spChg chg="add del mod">
+          <ac:chgData name="이 상민" userId="7f608b41624e15f1" providerId="LiveId" clId="{F7658383-CE00-4F7C-8F40-90B1C01FE816}" dt="2022-12-02T12:18:23.768" v="57" actId="26606"/>
+          <ac:spMkLst>
+            <pc:docMk/>
+            <pc:sldMk cId="2158886557" sldId="384"/>
+            <ac:spMk id="56" creationId="{69899385-7787-B28A-AB28-B558E435B181}"/>
+          </ac:spMkLst>
+        </pc:spChg>
+        <pc:spChg chg="add del mod">
+          <ac:chgData name="이 상민" userId="7f608b41624e15f1" providerId="LiveId" clId="{F7658383-CE00-4F7C-8F40-90B1C01FE816}" dt="2022-12-02T12:18:08.701" v="41" actId="26606"/>
+          <ac:spMkLst>
+            <pc:docMk/>
+            <pc:sldMk cId="2158886557" sldId="384"/>
+            <ac:spMk id="58" creationId="{C6103415-0A27-FA22-0295-D11355F6B941}"/>
+          </ac:spMkLst>
+        </pc:spChg>
+        <pc:spChg chg="add del mod">
+          <ac:chgData name="이 상민" userId="7f608b41624e15f1" providerId="LiveId" clId="{F7658383-CE00-4F7C-8F40-90B1C01FE816}" dt="2022-12-02T12:18:08.701" v="41" actId="26606"/>
+          <ac:spMkLst>
+            <pc:docMk/>
+            <pc:sldMk cId="2158886557" sldId="384"/>
+            <ac:spMk id="60" creationId="{E98622A9-6537-D627-E83E-ED867306F133}"/>
+          </ac:spMkLst>
+        </pc:spChg>
+        <pc:spChg chg="add del mod">
+          <ac:chgData name="이 상민" userId="7f608b41624e15f1" providerId="LiveId" clId="{F7658383-CE00-4F7C-8F40-90B1C01FE816}" dt="2022-12-02T12:18:09.356" v="43" actId="26606"/>
+          <ac:spMkLst>
+            <pc:docMk/>
+            <pc:sldMk cId="2158886557" sldId="384"/>
+            <ac:spMk id="62" creationId="{6897CFED-AEB0-BFBF-BFB6-CE7C97ADE063}"/>
+          </ac:spMkLst>
+        </pc:spChg>
+        <pc:spChg chg="add del mod">
+          <ac:chgData name="이 상민" userId="7f608b41624e15f1" providerId="LiveId" clId="{F7658383-CE00-4F7C-8F40-90B1C01FE816}" dt="2022-12-02T12:18:09.356" v="43" actId="26606"/>
+          <ac:spMkLst>
+            <pc:docMk/>
+            <pc:sldMk cId="2158886557" sldId="384"/>
+            <ac:spMk id="63" creationId="{E35E4432-4ECB-B359-CCE4-3F6CCE7EE4A3}"/>
+          </ac:spMkLst>
+        </pc:spChg>
+        <pc:spChg chg="add del mod">
+          <ac:chgData name="이 상민" userId="7f608b41624e15f1" providerId="LiveId" clId="{F7658383-CE00-4F7C-8F40-90B1C01FE816}" dt="2022-12-02T12:18:09.356" v="43" actId="26606"/>
+          <ac:spMkLst>
+            <pc:docMk/>
+            <pc:sldMk cId="2158886557" sldId="384"/>
+            <ac:spMk id="64" creationId="{E6B0FEC6-7821-E656-2529-2D20FDB453FC}"/>
+          </ac:spMkLst>
+        </pc:spChg>
+        <pc:spChg chg="add del mod">
+          <ac:chgData name="이 상민" userId="7f608b41624e15f1" providerId="LiveId" clId="{F7658383-CE00-4F7C-8F40-90B1C01FE816}" dt="2022-12-02T12:18:09.356" v="43" actId="26606"/>
+          <ac:spMkLst>
+            <pc:docMk/>
+            <pc:sldMk cId="2158886557" sldId="384"/>
+            <ac:spMk id="65" creationId="{496C98E7-A652-7CFD-0316-FBA6D6078244}"/>
+          </ac:spMkLst>
+        </pc:spChg>
+        <pc:spChg chg="add del mod">
+          <ac:chgData name="이 상민" userId="7f608b41624e15f1" providerId="LiveId" clId="{F7658383-CE00-4F7C-8F40-90B1C01FE816}" dt="2022-12-02T12:18:10.181" v="45" actId="26606"/>
+          <ac:spMkLst>
+            <pc:docMk/>
+            <pc:sldMk cId="2158886557" sldId="384"/>
+            <ac:spMk id="67" creationId="{D98DC797-C186-DB55-7C58-2076986A28C4}"/>
+          </ac:spMkLst>
+        </pc:spChg>
+        <pc:spChg chg="add del mod">
+          <ac:chgData name="이 상민" userId="7f608b41624e15f1" providerId="LiveId" clId="{F7658383-CE00-4F7C-8F40-90B1C01FE816}" dt="2022-12-02T12:18:10.181" v="45" actId="26606"/>
+          <ac:spMkLst>
+            <pc:docMk/>
+            <pc:sldMk cId="2158886557" sldId="384"/>
+            <ac:spMk id="68" creationId="{E5F396E3-C565-6176-1E54-744A272527B1}"/>
+          </ac:spMkLst>
+        </pc:spChg>
+        <pc:spChg chg="add del mod">
+          <ac:chgData name="이 상민" userId="7f608b41624e15f1" providerId="LiveId" clId="{F7658383-CE00-4F7C-8F40-90B1C01FE816}" dt="2022-12-02T12:18:10.181" v="45" actId="26606"/>
+          <ac:spMkLst>
+            <pc:docMk/>
+            <pc:sldMk cId="2158886557" sldId="384"/>
+            <ac:spMk id="69" creationId="{6B5973D1-E94C-14B6-3C16-23E649E186FA}"/>
+          </ac:spMkLst>
+        </pc:spChg>
+        <pc:spChg chg="add del mod">
+          <ac:chgData name="이 상민" userId="7f608b41624e15f1" providerId="LiveId" clId="{F7658383-CE00-4F7C-8F40-90B1C01FE816}" dt="2022-12-02T12:18:10.676" v="47" actId="26606"/>
+          <ac:spMkLst>
+            <pc:docMk/>
+            <pc:sldMk cId="2158886557" sldId="384"/>
+            <ac:spMk id="71" creationId="{13383358-800C-F62C-01BA-4481B86AA468}"/>
+          </ac:spMkLst>
+        </pc:spChg>
+        <pc:spChg chg="add del mod">
+          <ac:chgData name="이 상민" userId="7f608b41624e15f1" providerId="LiveId" clId="{F7658383-CE00-4F7C-8F40-90B1C01FE816}" dt="2022-12-02T12:18:10.676" v="47" actId="26606"/>
+          <ac:spMkLst>
+            <pc:docMk/>
+            <pc:sldMk cId="2158886557" sldId="384"/>
+            <ac:spMk id="72" creationId="{D38A98C7-FEE2-E9FE-F0F1-6BF5E4F71751}"/>
+          </ac:spMkLst>
+        </pc:spChg>
+        <pc:spChg chg="add del mod">
+          <ac:chgData name="이 상민" userId="7f608b41624e15f1" providerId="LiveId" clId="{F7658383-CE00-4F7C-8F40-90B1C01FE816}" dt="2022-12-02T12:18:10.676" v="47" actId="26606"/>
+          <ac:spMkLst>
+            <pc:docMk/>
+            <pc:sldMk cId="2158886557" sldId="384"/>
+            <ac:spMk id="73" creationId="{C7664DEB-5F4D-C7ED-CE06-367FD66AC4F5}"/>
+          </ac:spMkLst>
+        </pc:spChg>
+        <pc:spChg chg="add del mod">
+          <ac:chgData name="이 상민" userId="7f608b41624e15f1" providerId="LiveId" clId="{F7658383-CE00-4F7C-8F40-90B1C01FE816}" dt="2022-12-02T12:18:10.676" v="47" actId="26606"/>
+          <ac:spMkLst>
+            <pc:docMk/>
+            <pc:sldMk cId="2158886557" sldId="384"/>
+            <ac:spMk id="74" creationId="{49E8B5DE-35A9-4FEC-7506-67AEDA7E4DBB}"/>
+          </ac:spMkLst>
+        </pc:spChg>
+        <pc:spChg chg="add del mod">
+          <ac:chgData name="이 상민" userId="7f608b41624e15f1" providerId="LiveId" clId="{F7658383-CE00-4F7C-8F40-90B1C01FE816}" dt="2022-12-02T12:18:13.908" v="49" actId="26606"/>
+          <ac:spMkLst>
+            <pc:docMk/>
+            <pc:sldMk cId="2158886557" sldId="384"/>
+            <ac:spMk id="76" creationId="{D98DC797-C186-DB55-7C58-2076986A28C4}"/>
+          </ac:spMkLst>
+        </pc:spChg>
+        <pc:spChg chg="add del mod">
+          <ac:chgData name="이 상민" userId="7f608b41624e15f1" providerId="LiveId" clId="{F7658383-CE00-4F7C-8F40-90B1C01FE816}" dt="2022-12-02T12:18:13.908" v="49" actId="26606"/>
+          <ac:spMkLst>
+            <pc:docMk/>
+            <pc:sldMk cId="2158886557" sldId="384"/>
+            <ac:spMk id="77" creationId="{E5F396E3-C565-6176-1E54-744A272527B1}"/>
+          </ac:spMkLst>
+        </pc:spChg>
+        <pc:spChg chg="add del mod">
+          <ac:chgData name="이 상민" userId="7f608b41624e15f1" providerId="LiveId" clId="{F7658383-CE00-4F7C-8F40-90B1C01FE816}" dt="2022-12-02T12:18:13.908" v="49" actId="26606"/>
+          <ac:spMkLst>
+            <pc:docMk/>
+            <pc:sldMk cId="2158886557" sldId="384"/>
+            <ac:spMk id="78" creationId="{6B5973D1-E94C-14B6-3C16-23E649E186FA}"/>
+          </ac:spMkLst>
+        </pc:spChg>
+        <pc:spChg chg="add del">
+          <ac:chgData name="이 상민" userId="7f608b41624e15f1" providerId="LiveId" clId="{F7658383-CE00-4F7C-8F40-90B1C01FE816}" dt="2022-12-02T12:18:16.044" v="51" actId="26606"/>
+          <ac:spMkLst>
+            <pc:docMk/>
+            <pc:sldMk cId="2158886557" sldId="384"/>
+            <ac:spMk id="80" creationId="{13F7BDB4-E25C-ADF9-DCA3-55D455B64761}"/>
+          </ac:spMkLst>
+        </pc:spChg>
+        <pc:spChg chg="add del">
+          <ac:chgData name="이 상민" userId="7f608b41624e15f1" providerId="LiveId" clId="{F7658383-CE00-4F7C-8F40-90B1C01FE816}" dt="2022-12-02T12:18:16.044" v="51" actId="26606"/>
+          <ac:spMkLst>
+            <pc:docMk/>
+            <pc:sldMk cId="2158886557" sldId="384"/>
+            <ac:spMk id="81" creationId="{AAA1994C-59C4-AD49-5310-2DB0E8DCCC01}"/>
+          </ac:spMkLst>
+        </pc:spChg>
+        <pc:picChg chg="mod ord">
+          <ac:chgData name="이 상민" userId="7f608b41624e15f1" providerId="LiveId" clId="{F7658383-CE00-4F7C-8F40-90B1C01FE816}" dt="2022-12-02T12:18:23.768" v="57" actId="26606"/>
+          <ac:picMkLst>
+            <pc:docMk/>
+            <pc:sldMk cId="2158886557" sldId="384"/>
+            <ac:picMk id="25" creationId="{B7353C46-ACC1-4078-85C2-26B57B0E58B7}"/>
+          </ac:picMkLst>
+        </pc:picChg>
+      </pc:sldChg>
+      <pc:sldChg chg="addSp delSp modSp new mod modClrScheme chgLayout">
+        <pc:chgData name="이 상민" userId="7f608b41624e15f1" providerId="LiveId" clId="{F7658383-CE00-4F7C-8F40-90B1C01FE816}" dt="2022-12-02T12:28:38.407" v="918" actId="478"/>
+        <pc:sldMkLst>
+          <pc:docMk/>
+          <pc:sldMk cId="2566331708" sldId="392"/>
+        </pc:sldMkLst>
+        <pc:spChg chg="add del">
+          <ac:chgData name="이 상민" userId="7f608b41624e15f1" providerId="LiveId" clId="{F7658383-CE00-4F7C-8F40-90B1C01FE816}" dt="2022-12-02T12:28:09.696" v="913" actId="26606"/>
+          <ac:spMkLst>
+            <pc:docMk/>
+            <pc:sldMk cId="2566331708" sldId="392"/>
+            <ac:spMk id="2" creationId="{A75E285B-1C32-CD55-E2FF-D7B9ECC63BBC}"/>
+          </ac:spMkLst>
+        </pc:spChg>
+        <pc:spChg chg="add del">
+          <ac:chgData name="이 상민" userId="7f608b41624e15f1" providerId="LiveId" clId="{F7658383-CE00-4F7C-8F40-90B1C01FE816}" dt="2022-12-02T12:28:09.696" v="913" actId="26606"/>
+          <ac:spMkLst>
+            <pc:docMk/>
+            <pc:sldMk cId="2566331708" sldId="392"/>
+            <ac:spMk id="3" creationId="{1A65F0EB-586F-8028-FF63-ED34761BFA0D}"/>
+          </ac:spMkLst>
+        </pc:spChg>
+        <pc:spChg chg="add del">
+          <ac:chgData name="이 상민" userId="7f608b41624e15f1" providerId="LiveId" clId="{F7658383-CE00-4F7C-8F40-90B1C01FE816}" dt="2022-12-02T12:28:09.696" v="913" actId="26606"/>
+          <ac:spMkLst>
+            <pc:docMk/>
+            <pc:sldMk cId="2566331708" sldId="392"/>
+            <ac:spMk id="4" creationId="{E8865EBF-FECF-884F-F04A-D9D4A719F71F}"/>
+          </ac:spMkLst>
+        </pc:spChg>
+        <pc:spChg chg="del mod modVis">
+          <ac:chgData name="이 상민" userId="7f608b41624e15f1" providerId="LiveId" clId="{F7658383-CE00-4F7C-8F40-90B1C01FE816}" dt="2022-12-02T12:28:36.030" v="917" actId="478"/>
+          <ac:spMkLst>
+            <pc:docMk/>
+            <pc:sldMk cId="2566331708" sldId="392"/>
+            <ac:spMk id="5" creationId="{23CD7387-3BB6-96BD-951D-2BEAA37E70D5}"/>
+          </ac:spMkLst>
+        </pc:spChg>
+        <pc:spChg chg="del mod">
+          <ac:chgData name="이 상민" userId="7f608b41624e15f1" providerId="LiveId" clId="{F7658383-CE00-4F7C-8F40-90B1C01FE816}" dt="2022-12-02T12:28:38.407" v="918" actId="478"/>
+          <ac:spMkLst>
+            <pc:docMk/>
+            <pc:sldMk cId="2566331708" sldId="392"/>
+            <ac:spMk id="6" creationId="{483FBEDC-25B5-C208-1972-363C2A8B069F}"/>
+          </ac:spMkLst>
+        </pc:spChg>
+        <pc:spChg chg="mod modVis">
+          <ac:chgData name="이 상민" userId="7f608b41624e15f1" providerId="LiveId" clId="{F7658383-CE00-4F7C-8F40-90B1C01FE816}" dt="2022-12-02T12:28:09.696" v="913" actId="26606"/>
+          <ac:spMkLst>
+            <pc:docMk/>
+            <pc:sldMk cId="2566331708" sldId="392"/>
+            <ac:spMk id="7" creationId="{16B03654-3710-2C97-A57E-0DA5E8581DFC}"/>
+          </ac:spMkLst>
+        </pc:spChg>
+        <pc:spChg chg="add del mod">
+          <ac:chgData name="이 상민" userId="7f608b41624e15f1" providerId="LiveId" clId="{F7658383-CE00-4F7C-8F40-90B1C01FE816}" dt="2022-12-02T12:28:09.691" v="912" actId="26606"/>
+          <ac:spMkLst>
+            <pc:docMk/>
+            <pc:sldMk cId="2566331708" sldId="392"/>
+            <ac:spMk id="14" creationId="{8BB300F7-CE1C-299B-B427-A842D5B3A882}"/>
+          </ac:spMkLst>
+        </pc:spChg>
+        <pc:spChg chg="add del mod">
+          <ac:chgData name="이 상민" userId="7f608b41624e15f1" providerId="LiveId" clId="{F7658383-CE00-4F7C-8F40-90B1C01FE816}" dt="2022-12-02T12:28:36.030" v="917" actId="478"/>
+          <ac:spMkLst>
+            <pc:docMk/>
+            <pc:sldMk cId="2566331708" sldId="392"/>
+            <ac:spMk id="16" creationId="{47AA39D5-0A1B-0083-313C-52FC235BEFC6}"/>
+          </ac:spMkLst>
+        </pc:spChg>
+        <pc:spChg chg="add del mod">
+          <ac:chgData name="이 상민" userId="7f608b41624e15f1" providerId="LiveId" clId="{F7658383-CE00-4F7C-8F40-90B1C01FE816}" dt="2022-12-02T12:28:36.030" v="917" actId="478"/>
+          <ac:spMkLst>
+            <pc:docMk/>
+            <pc:sldMk cId="2566331708" sldId="392"/>
+            <ac:spMk id="17" creationId="{6AC37157-BFCA-292E-6024-8DDA64D9B01B}"/>
+          </ac:spMkLst>
+        </pc:spChg>
+        <pc:picChg chg="add del mod ord">
+          <ac:chgData name="이 상민" userId="7f608b41624e15f1" providerId="LiveId" clId="{F7658383-CE00-4F7C-8F40-90B1C01FE816}" dt="2022-12-02T12:28:33.015" v="916" actId="478"/>
+          <ac:picMkLst>
+            <pc:docMk/>
+            <pc:sldMk cId="2566331708" sldId="392"/>
+            <ac:picMk id="9" creationId="{DB2C3299-F5DE-372A-46A2-98BD19D4FF97}"/>
+          </ac:picMkLst>
+        </pc:picChg>
+      </pc:sldChg>
+    </pc:docChg>
+  </pc:docChgLst>
+</pc:chgInfo>
 </file>
 
 <file path=ppt/charts/chart1.xml><?xml version="1.0" encoding="utf-8"?>
@@ -6429,8 +6888,8 @@
           <a:p>
             <a:pPr rtl="0"/>
             <a:fld id="{1983A999-5E0E-42CA-8400-604AE921FF7C}" type="slidenum">
-              <a:rPr lang="ko-KR" smtClean="0"/>
-              <a:t>4</a:t>
+              <a:rPr lang="en-US" altLang="ko-KR" smtClean="0"/>
+              <a:t>5</a:t>
             </a:fld>
             <a:endParaRPr lang="ko-KR"/>
           </a:p>
@@ -6545,8 +7004,8 @@
           <a:p>
             <a:pPr rtl="0"/>
             <a:fld id="{1983A999-5E0E-42CA-8400-604AE921FF7C}" type="slidenum">
-              <a:rPr lang="ko-KR" smtClean="0"/>
-              <a:t>8</a:t>
+              <a:rPr lang="en-US" altLang="ko-KR" smtClean="0"/>
+              <a:t>9</a:t>
             </a:fld>
             <a:endParaRPr lang="ko-KR"/>
           </a:p>
@@ -6661,8 +7120,8 @@
           <a:p>
             <a:pPr rtl="0"/>
             <a:fld id="{32DC0559-D619-4E56-BF6F-3712370C2150}" type="slidenum">
-              <a:rPr lang="ko-KR" smtClean="0"/>
-              <a:t>9</a:t>
+              <a:rPr lang="en-US" altLang="ko-KR" smtClean="0"/>
+              <a:t>10</a:t>
             </a:fld>
             <a:endParaRPr lang="ko-KR"/>
           </a:p>
@@ -6777,8 +7236,8 @@
           <a:p>
             <a:pPr rtl="0"/>
             <a:fld id="{1983A999-5E0E-42CA-8400-604AE921FF7C}" type="slidenum">
-              <a:rPr lang="ko-KR" smtClean="0"/>
-              <a:t>10</a:t>
+              <a:rPr lang="en-US" altLang="ko-KR" smtClean="0"/>
+              <a:t>11</a:t>
             </a:fld>
             <a:endParaRPr lang="ko-KR"/>
           </a:p>
@@ -6893,7 +7352,7 @@
             <a:pPr rtl="0"/>
             <a:fld id="{E7CCE34D-CFF1-4FFE-815B-D050E7ED2DFD}" type="slidenum">
               <a:rPr lang="ko-KR" altLang="ko-KR" smtClean="0"/>
-              <a:t>11</a:t>
+              <a:t>12</a:t>
             </a:fld>
             <a:endParaRPr lang="ko-KR"/>
           </a:p>
@@ -7008,8 +7467,8 @@
           <a:p>
             <a:pPr rtl="0"/>
             <a:fld id="{1983A999-5E0E-42CA-8400-604AE921FF7C}" type="slidenum">
-              <a:rPr lang="ko-KR" smtClean="0"/>
-              <a:t>12</a:t>
+              <a:rPr lang="en-US" altLang="ko-KR" smtClean="0"/>
+              <a:t>13</a:t>
             </a:fld>
             <a:endParaRPr lang="ko-KR"/>
           </a:p>
@@ -19513,6 +19972,206 @@
           <a:chExt cx="0" cy="0"/>
         </a:xfrm>
       </p:grpSpPr>
+      <p:sp>
+        <p:nvSpPr>
+          <p:cNvPr id="3" name="제목 2">
+            <a:extLst>
+              <a:ext uri="{FF2B5EF4-FFF2-40B4-BE49-F238E27FC236}">
+                <a16:creationId xmlns:a16="http://schemas.microsoft.com/office/drawing/2014/main" id="{FAD72D26-24EF-4CBD-9431-A558CB7CA906}"/>
+              </a:ext>
+            </a:extLst>
+          </p:cNvPr>
+          <p:cNvSpPr>
+            <a:spLocks noGrp="1"/>
+          </p:cNvSpPr>
+          <p:nvPr>
+            <p:ph type="title"/>
+          </p:nvPr>
+        </p:nvSpPr>
+        <p:spPr>
+          <a:xfrm>
+            <a:off x="550862" y="549275"/>
+            <a:ext cx="11091600" cy="1332000"/>
+          </a:xfrm>
+        </p:spPr>
+        <p:txBody>
+          <a:bodyPr rtlCol="0"/>
+          <a:lstStyle/>
+          <a:p>
+            <a:pPr rtl="0"/>
+            <a:r>
+              <a:rPr lang="ko-KR"/>
+              <a:t>시간 표시줄</a:t>
+            </a:r>
+          </a:p>
+        </p:txBody>
+      </p:sp>
+      <p:graphicFrame>
+        <p:nvGraphicFramePr>
+          <p:cNvPr id="4" name="내용 개체 틀 3" descr="시간 표시줄 스마트 아트 개체 틀 ">
+            <a:extLst>
+              <a:ext uri="{FF2B5EF4-FFF2-40B4-BE49-F238E27FC236}">
+                <a16:creationId xmlns:a16="http://schemas.microsoft.com/office/drawing/2014/main" id="{93897051-DA8D-4072-A594-51769F8D52F5}"/>
+              </a:ext>
+            </a:extLst>
+          </p:cNvPr>
+          <p:cNvGraphicFramePr>
+            <a:graphicFrameLocks noGrp="1"/>
+          </p:cNvGraphicFramePr>
+          <p:nvPr>
+            <p:ph idx="1"/>
+            <p:extLst>
+              <p:ext uri="{D42A27DB-BD31-4B8C-83A1-F6EECF244321}">
+                <p14:modId xmlns:p14="http://schemas.microsoft.com/office/powerpoint/2010/main" val="3705352389"/>
+              </p:ext>
+            </p:extLst>
+          </p:nvPr>
+        </p:nvGraphicFramePr>
+        <p:xfrm>
+          <a:off x="550863" y="2112963"/>
+          <a:ext cx="11090275" cy="3979862"/>
+        </p:xfrm>
+        <a:graphic>
+          <a:graphicData uri="http://schemas.openxmlformats.org/drawingml/2006/diagram">
+            <dgm:relIds xmlns:dgm="http://schemas.openxmlformats.org/drawingml/2006/diagram" xmlns:r="http://schemas.openxmlformats.org/officeDocument/2006/relationships" r:dm="rId3" r:lo="rId4" r:qs="rId5" r:cs="rId6"/>
+          </a:graphicData>
+        </a:graphic>
+      </p:graphicFrame>
+      <p:sp>
+        <p:nvSpPr>
+          <p:cNvPr id="2" name="날짜 개체 틀 1">
+            <a:extLst>
+              <a:ext uri="{FF2B5EF4-FFF2-40B4-BE49-F238E27FC236}">
+                <a16:creationId xmlns:a16="http://schemas.microsoft.com/office/drawing/2014/main" id="{81FCAF0A-629F-4EC6-B3E6-563ED999F360}"/>
+              </a:ext>
+            </a:extLst>
+          </p:cNvPr>
+          <p:cNvSpPr>
+            <a:spLocks noGrp="1"/>
+          </p:cNvSpPr>
+          <p:nvPr>
+            <p:ph type="dt" sz="half" idx="10"/>
+          </p:nvPr>
+        </p:nvSpPr>
+        <p:spPr>
+          <a:xfrm>
+            <a:off x="550863" y="6507212"/>
+            <a:ext cx="2628900" cy="153888"/>
+          </a:xfrm>
+        </p:spPr>
+        <p:txBody>
+          <a:bodyPr rtlCol="0"/>
+          <a:lstStyle/>
+          <a:p>
+            <a:pPr rtl="0"/>
+            <a:r>
+              <a:rPr lang="ko-KR"/>
+              <a:t>20XX년 2월 2일 화요일</a:t>
+            </a:r>
+            <a:endParaRPr lang="ko-KR" dirty="0"/>
+          </a:p>
+        </p:txBody>
+      </p:sp>
+      <p:sp>
+        <p:nvSpPr>
+          <p:cNvPr id="7" name="바닥글 개체 틀 6">
+            <a:extLst>
+              <a:ext uri="{FF2B5EF4-FFF2-40B4-BE49-F238E27FC236}">
+                <a16:creationId xmlns:a16="http://schemas.microsoft.com/office/drawing/2014/main" id="{920A7C57-D6C5-4BA0-AB3C-41D4E3436B0E}"/>
+              </a:ext>
+            </a:extLst>
+          </p:cNvPr>
+          <p:cNvSpPr>
+            <a:spLocks noGrp="1"/>
+          </p:cNvSpPr>
+          <p:nvPr>
+            <p:ph type="ftr" sz="quarter" idx="11"/>
+          </p:nvPr>
+        </p:nvSpPr>
+        <p:spPr>
+          <a:xfrm>
+            <a:off x="3359150" y="6507212"/>
+            <a:ext cx="6379210" cy="153888"/>
+          </a:xfrm>
+        </p:spPr>
+        <p:txBody>
+          <a:bodyPr rtlCol="0"/>
+          <a:lstStyle/>
+          <a:p>
+            <a:pPr rtl="0"/>
+            <a:r>
+              <a:rPr lang="ko-KR"/>
+              <a:t>샘플 바닥글 텍스트</a:t>
+            </a:r>
+          </a:p>
+        </p:txBody>
+      </p:sp>
+      <p:sp>
+        <p:nvSpPr>
+          <p:cNvPr id="6" name="슬라이드 번호 개체 틀 5">
+            <a:extLst>
+              <a:ext uri="{FF2B5EF4-FFF2-40B4-BE49-F238E27FC236}">
+                <a16:creationId xmlns:a16="http://schemas.microsoft.com/office/drawing/2014/main" id="{5E5CAC52-3FD1-464A-805A-B8F7AF04574A}"/>
+              </a:ext>
+            </a:extLst>
+          </p:cNvPr>
+          <p:cNvSpPr>
+            <a:spLocks noGrp="1"/>
+          </p:cNvSpPr>
+          <p:nvPr>
+            <p:ph type="sldNum" sz="quarter" idx="12"/>
+          </p:nvPr>
+        </p:nvSpPr>
+        <p:spPr>
+          <a:xfrm>
+            <a:off x="9948863" y="6507212"/>
+            <a:ext cx="1692274" cy="153888"/>
+          </a:xfrm>
+        </p:spPr>
+        <p:txBody>
+          <a:bodyPr rtlCol="0"/>
+          <a:lstStyle/>
+          <a:p>
+            <a:pPr rtl="0"/>
+            <a:fld id="{DBA1B0FB-D917-4C8C-928F-313BD683BF39}" type="slidenum">
+              <a:rPr lang="en-US" altLang="ko-KR" smtClean="0"/>
+              <a:pPr rtl="0"/>
+              <a:t>10</a:t>
+            </a:fld>
+            <a:endParaRPr lang="ko-KR"/>
+          </a:p>
+        </p:txBody>
+      </p:sp>
+    </p:spTree>
+    <p:extLst>
+      <p:ext uri="{BB962C8B-B14F-4D97-AF65-F5344CB8AC3E}">
+        <p14:creationId xmlns:p14="http://schemas.microsoft.com/office/powerpoint/2010/main" val="2624630061"/>
+      </p:ext>
+    </p:extLst>
+  </p:cSld>
+  <p:clrMapOvr>
+    <a:masterClrMapping/>
+  </p:clrMapOvr>
+</p:sld>
+</file>
+
+<file path=ppt/slides/slide11.xml><?xml version="1.0" encoding="utf-8"?>
+<p:sld xmlns:a="http://schemas.openxmlformats.org/drawingml/2006/main" xmlns:r="http://schemas.openxmlformats.org/officeDocument/2006/relationships" xmlns:p="http://schemas.openxmlformats.org/presentationml/2006/main">
+  <p:cSld>
+    <p:spTree>
+      <p:nvGrpSpPr>
+        <p:cNvPr id="1" name=""/>
+        <p:cNvGrpSpPr/>
+        <p:nvPr/>
+      </p:nvGrpSpPr>
+      <p:grpSpPr>
+        <a:xfrm>
+          <a:off x="0" y="0"/>
+          <a:ext cx="0" cy="0"/>
+          <a:chOff x="0" y="0"/>
+          <a:chExt cx="0" cy="0"/>
+        </a:xfrm>
+      </p:grpSpPr>
       <p:grpSp>
         <p:nvGrpSpPr>
           <p:cNvPr id="25" name="그룹 24">
@@ -20136,9 +20795,9 @@
           <a:p>
             <a:pPr rtl="0"/>
             <a:fld id="{DBA1B0FB-D917-4C8C-928F-313BD683BF39}" type="slidenum">
-              <a:rPr lang="ko-KR" smtClean="0"/>
-              <a:pPr/>
-              <a:t>10</a:t>
+              <a:rPr lang="en-US" altLang="ko-KR" smtClean="0"/>
+              <a:pPr rtl="0"/>
+              <a:t>11</a:t>
             </a:fld>
             <a:endParaRPr lang="ko-KR"/>
           </a:p>
@@ -20318,7 +20977,7 @@
 </p:sld>
 </file>
 
-<file path=ppt/slides/slide11.xml><?xml version="1.0" encoding="utf-8"?>
+<file path=ppt/slides/slide12.xml><?xml version="1.0" encoding="utf-8"?>
 <p:sld xmlns:a="http://schemas.openxmlformats.org/drawingml/2006/main" xmlns:r="http://schemas.openxmlformats.org/officeDocument/2006/relationships" xmlns:p="http://schemas.openxmlformats.org/presentationml/2006/main">
   <p:cSld>
     <p:spTree>
@@ -20769,9 +21428,9 @@
           <a:p>
             <a:pPr rtl="0"/>
             <a:fld id="{DBA1B0FB-D917-4C8C-928F-313BD683BF39}" type="slidenum">
-              <a:rPr lang="ko-KR" smtClean="0"/>
-              <a:pPr/>
-              <a:t>11</a:t>
+              <a:rPr lang="en-US" altLang="ko-KR" smtClean="0"/>
+              <a:pPr rtl="0"/>
+              <a:t>12</a:t>
             </a:fld>
             <a:endParaRPr lang="ko-KR"/>
           </a:p>
@@ -20781,249 +21440,6 @@
     <p:extLst>
       <p:ext uri="{BB962C8B-B14F-4D97-AF65-F5344CB8AC3E}">
         <p14:creationId xmlns:p14="http://schemas.microsoft.com/office/powerpoint/2010/main" val="1420547054"/>
-      </p:ext>
-    </p:extLst>
-  </p:cSld>
-  <p:clrMapOvr>
-    <a:masterClrMapping/>
-  </p:clrMapOvr>
-</p:sld>
-</file>
-
-<file path=ppt/slides/slide12.xml><?xml version="1.0" encoding="utf-8"?>
-<p:sld xmlns:a="http://schemas.openxmlformats.org/drawingml/2006/main" xmlns:r="http://schemas.openxmlformats.org/officeDocument/2006/relationships" xmlns:p="http://schemas.openxmlformats.org/presentationml/2006/main">
-  <p:cSld>
-    <p:spTree>
-      <p:nvGrpSpPr>
-        <p:cNvPr id="1" name=""/>
-        <p:cNvGrpSpPr/>
-        <p:nvPr/>
-      </p:nvGrpSpPr>
-      <p:grpSpPr>
-        <a:xfrm>
-          <a:off x="0" y="0"/>
-          <a:ext cx="0" cy="0"/>
-          <a:chOff x="0" y="0"/>
-          <a:chExt cx="0" cy="0"/>
-        </a:xfrm>
-      </p:grpSpPr>
-      <p:sp>
-        <p:nvSpPr>
-          <p:cNvPr id="11" name="제목 10">
-            <a:extLst>
-              <a:ext uri="{FF2B5EF4-FFF2-40B4-BE49-F238E27FC236}">
-                <a16:creationId xmlns:a16="http://schemas.microsoft.com/office/drawing/2014/main" id="{581E8936-2270-47FE-94A4-398CB123EF90}"/>
-              </a:ext>
-            </a:extLst>
-          </p:cNvPr>
-          <p:cNvSpPr>
-            <a:spLocks noGrp="1"/>
-          </p:cNvSpPr>
-          <p:nvPr>
-            <p:ph type="title"/>
-          </p:nvPr>
-        </p:nvSpPr>
-        <p:spPr>
-          <a:xfrm>
-            <a:off x="550863" y="4508500"/>
-            <a:ext cx="4500562" cy="1562959"/>
-          </a:xfrm>
-        </p:spPr>
-        <p:txBody>
-          <a:bodyPr rtlCol="0"/>
-          <a:lstStyle/>
-          <a:p>
-            <a:pPr rtl="0"/>
-            <a:r>
-              <a:rPr lang="ko-KR"/>
-              <a:t>요약</a:t>
-            </a:r>
-          </a:p>
-        </p:txBody>
-      </p:sp>
-      <p:pic>
-        <p:nvPicPr>
-          <p:cNvPr id="16" name="그림 개체 틀 15" descr="데이터 요소 디지털 배경">
-            <a:extLst>
-              <a:ext uri="{FF2B5EF4-FFF2-40B4-BE49-F238E27FC236}">
-                <a16:creationId xmlns:a16="http://schemas.microsoft.com/office/drawing/2014/main" id="{361E9ADB-7377-4CF1-9AE4-AEFBDEBEEEEC}"/>
-              </a:ext>
-            </a:extLst>
-          </p:cNvPr>
-          <p:cNvPicPr>
-            <a:picLocks noGrp="1" noChangeAspect="1"/>
-          </p:cNvPicPr>
-          <p:nvPr>
-            <p:ph type="pic" sz="quarter" idx="13"/>
-          </p:nvPr>
-        </p:nvPicPr>
-        <p:blipFill rotWithShape="1">
-          <a:blip r:embed="rId3" cstate="screen">
-            <a:extLst>
-              <a:ext uri="{28A0092B-C50C-407E-A947-70E740481C1C}">
-                <a14:useLocalDpi xmlns:a14="http://schemas.microsoft.com/office/drawing/2010/main" val="0"/>
-              </a:ext>
-            </a:extLst>
-          </a:blip>
-          <a:srcRect/>
-          <a:stretch/>
-        </p:blipFill>
-        <p:spPr>
-          <a:xfrm>
-            <a:off x="0" y="0"/>
-            <a:ext cx="12192000" cy="3776472"/>
-          </a:xfrm>
-        </p:spPr>
-      </p:pic>
-      <p:sp>
-        <p:nvSpPr>
-          <p:cNvPr id="13" name="내용 개체 틀 12">
-            <a:extLst>
-              <a:ext uri="{FF2B5EF4-FFF2-40B4-BE49-F238E27FC236}">
-                <a16:creationId xmlns:a16="http://schemas.microsoft.com/office/drawing/2014/main" id="{C0287FEC-3826-4868-8D93-52429C6156F5}"/>
-              </a:ext>
-            </a:extLst>
-          </p:cNvPr>
-          <p:cNvSpPr>
-            <a:spLocks noGrp="1"/>
-          </p:cNvSpPr>
-          <p:nvPr>
-            <p:ph sz="quarter" idx="15"/>
-          </p:nvPr>
-        </p:nvSpPr>
-        <p:spPr>
-          <a:xfrm>
-            <a:off x="5262411" y="4508500"/>
-            <a:ext cx="6221412" cy="1563688"/>
-          </a:xfrm>
-        </p:spPr>
-        <p:txBody>
-          <a:bodyPr rtlCol="0">
-            <a:noAutofit/>
-          </a:bodyPr>
-          <a:lstStyle/>
-          <a:p>
-            <a:pPr rtl="0"/>
-            <a:r>
-              <a:rPr lang="ko-KR" sz="1800" dirty="0" err="1"/>
-              <a:t>PowerPoint를</a:t>
-            </a:r>
-            <a:r>
-              <a:rPr lang="ko-KR" sz="1800" dirty="0"/>
-              <a:t> 사용하여 어디서나 프레젠테이션을 만들고 다른 사람과 작업을 공유할 수 있습니다. 시작하려면 여기에 원하는 텍스트를 입력합니다. 이 템플릿에 이미지, 아트 및 비디오를 추가할 수도 있습니다. OneDrive에 저장하여 컴퓨터, 태블릿 또는 휴대폰에서 프레젠테이션에 액세스할 수 있습니다. </a:t>
-            </a:r>
-          </a:p>
-        </p:txBody>
-      </p:sp>
-      <p:sp>
-        <p:nvSpPr>
-          <p:cNvPr id="4" name="날짜 개체 틀 3">
-            <a:extLst>
-              <a:ext uri="{FF2B5EF4-FFF2-40B4-BE49-F238E27FC236}">
-                <a16:creationId xmlns:a16="http://schemas.microsoft.com/office/drawing/2014/main" id="{0C329F70-04F7-4C70-BCF8-D4371F54EF2F}"/>
-              </a:ext>
-            </a:extLst>
-          </p:cNvPr>
-          <p:cNvSpPr>
-            <a:spLocks noGrp="1"/>
-          </p:cNvSpPr>
-          <p:nvPr>
-            <p:ph type="dt" sz="half" idx="10"/>
-          </p:nvPr>
-        </p:nvSpPr>
-        <p:spPr>
-          <a:xfrm>
-            <a:off x="550863" y="6507212"/>
-            <a:ext cx="2628900" cy="153888"/>
-          </a:xfrm>
-        </p:spPr>
-        <p:txBody>
-          <a:bodyPr rtlCol="0"/>
-          <a:lstStyle/>
-          <a:p>
-            <a:pPr rtl="0"/>
-            <a:r>
-              <a:rPr lang="ko-KR"/>
-              <a:t>20XX년 2월 2일 화요일</a:t>
-            </a:r>
-            <a:endParaRPr lang="ko-KR" dirty="0"/>
-          </a:p>
-        </p:txBody>
-      </p:sp>
-      <p:sp>
-        <p:nvSpPr>
-          <p:cNvPr id="5" name="바닥글 개체 틀 4">
-            <a:extLst>
-              <a:ext uri="{FF2B5EF4-FFF2-40B4-BE49-F238E27FC236}">
-                <a16:creationId xmlns:a16="http://schemas.microsoft.com/office/drawing/2014/main" id="{06A3302E-502D-4151-81C9-5FD6AF9596D6}"/>
-              </a:ext>
-            </a:extLst>
-          </p:cNvPr>
-          <p:cNvSpPr>
-            <a:spLocks noGrp="1"/>
-          </p:cNvSpPr>
-          <p:nvPr>
-            <p:ph type="ftr" sz="quarter" idx="11"/>
-          </p:nvPr>
-        </p:nvSpPr>
-        <p:spPr>
-          <a:xfrm>
-            <a:off x="3359150" y="6507212"/>
-            <a:ext cx="6379210" cy="153888"/>
-          </a:xfrm>
-        </p:spPr>
-        <p:txBody>
-          <a:bodyPr rtlCol="0"/>
-          <a:lstStyle/>
-          <a:p>
-            <a:pPr rtl="0"/>
-            <a:r>
-              <a:rPr lang="ko-KR"/>
-              <a:t>샘플 바닥글 텍스트</a:t>
-            </a:r>
-          </a:p>
-        </p:txBody>
-      </p:sp>
-      <p:sp>
-        <p:nvSpPr>
-          <p:cNvPr id="6" name="슬라이드 번호 개체 틀 5">
-            <a:extLst>
-              <a:ext uri="{FF2B5EF4-FFF2-40B4-BE49-F238E27FC236}">
-                <a16:creationId xmlns:a16="http://schemas.microsoft.com/office/drawing/2014/main" id="{9ED907F8-C614-4D59-A03F-BF9CD5E35703}"/>
-              </a:ext>
-            </a:extLst>
-          </p:cNvPr>
-          <p:cNvSpPr>
-            <a:spLocks noGrp="1"/>
-          </p:cNvSpPr>
-          <p:nvPr>
-            <p:ph type="sldNum" sz="quarter" idx="12"/>
-          </p:nvPr>
-        </p:nvSpPr>
-        <p:spPr>
-          <a:xfrm>
-            <a:off x="9948863" y="6507212"/>
-            <a:ext cx="1692274" cy="153888"/>
-          </a:xfrm>
-        </p:spPr>
-        <p:txBody>
-          <a:bodyPr rtlCol="0"/>
-          <a:lstStyle/>
-          <a:p>
-            <a:pPr rtl="0"/>
-            <a:fld id="{DBA1B0FB-D917-4C8C-928F-313BD683BF39}" type="slidenum">
-              <a:rPr lang="ko-KR" smtClean="0"/>
-              <a:pPr/>
-              <a:t>12</a:t>
-            </a:fld>
-            <a:endParaRPr lang="ko-KR"/>
-          </a:p>
-        </p:txBody>
-      </p:sp>
-    </p:spTree>
-    <p:extLst>
-      <p:ext uri="{BB962C8B-B14F-4D97-AF65-F5344CB8AC3E}">
-        <p14:creationId xmlns:p14="http://schemas.microsoft.com/office/powerpoint/2010/main" val="3521561301"/>
       </p:ext>
     </p:extLst>
   </p:cSld>
@@ -21052,6 +21468,249 @@
       </p:grpSpPr>
       <p:sp>
         <p:nvSpPr>
+          <p:cNvPr id="11" name="제목 10">
+            <a:extLst>
+              <a:ext uri="{FF2B5EF4-FFF2-40B4-BE49-F238E27FC236}">
+                <a16:creationId xmlns:a16="http://schemas.microsoft.com/office/drawing/2014/main" id="{581E8936-2270-47FE-94A4-398CB123EF90}"/>
+              </a:ext>
+            </a:extLst>
+          </p:cNvPr>
+          <p:cNvSpPr>
+            <a:spLocks noGrp="1"/>
+          </p:cNvSpPr>
+          <p:nvPr>
+            <p:ph type="title"/>
+          </p:nvPr>
+        </p:nvSpPr>
+        <p:spPr>
+          <a:xfrm>
+            <a:off x="550863" y="4508500"/>
+            <a:ext cx="4500562" cy="1562959"/>
+          </a:xfrm>
+        </p:spPr>
+        <p:txBody>
+          <a:bodyPr rtlCol="0"/>
+          <a:lstStyle/>
+          <a:p>
+            <a:pPr rtl="0"/>
+            <a:r>
+              <a:rPr lang="ko-KR"/>
+              <a:t>요약</a:t>
+            </a:r>
+          </a:p>
+        </p:txBody>
+      </p:sp>
+      <p:pic>
+        <p:nvPicPr>
+          <p:cNvPr id="16" name="그림 개체 틀 15" descr="데이터 요소 디지털 배경">
+            <a:extLst>
+              <a:ext uri="{FF2B5EF4-FFF2-40B4-BE49-F238E27FC236}">
+                <a16:creationId xmlns:a16="http://schemas.microsoft.com/office/drawing/2014/main" id="{361E9ADB-7377-4CF1-9AE4-AEFBDEBEEEEC}"/>
+              </a:ext>
+            </a:extLst>
+          </p:cNvPr>
+          <p:cNvPicPr>
+            <a:picLocks noGrp="1" noChangeAspect="1"/>
+          </p:cNvPicPr>
+          <p:nvPr>
+            <p:ph type="pic" sz="quarter" idx="13"/>
+          </p:nvPr>
+        </p:nvPicPr>
+        <p:blipFill rotWithShape="1">
+          <a:blip r:embed="rId3" cstate="screen">
+            <a:extLst>
+              <a:ext uri="{28A0092B-C50C-407E-A947-70E740481C1C}">
+                <a14:useLocalDpi xmlns:a14="http://schemas.microsoft.com/office/drawing/2010/main" val="0"/>
+              </a:ext>
+            </a:extLst>
+          </a:blip>
+          <a:srcRect/>
+          <a:stretch/>
+        </p:blipFill>
+        <p:spPr>
+          <a:xfrm>
+            <a:off x="0" y="0"/>
+            <a:ext cx="12192000" cy="3776472"/>
+          </a:xfrm>
+        </p:spPr>
+      </p:pic>
+      <p:sp>
+        <p:nvSpPr>
+          <p:cNvPr id="13" name="내용 개체 틀 12">
+            <a:extLst>
+              <a:ext uri="{FF2B5EF4-FFF2-40B4-BE49-F238E27FC236}">
+                <a16:creationId xmlns:a16="http://schemas.microsoft.com/office/drawing/2014/main" id="{C0287FEC-3826-4868-8D93-52429C6156F5}"/>
+              </a:ext>
+            </a:extLst>
+          </p:cNvPr>
+          <p:cNvSpPr>
+            <a:spLocks noGrp="1"/>
+          </p:cNvSpPr>
+          <p:nvPr>
+            <p:ph sz="quarter" idx="15"/>
+          </p:nvPr>
+        </p:nvSpPr>
+        <p:spPr>
+          <a:xfrm>
+            <a:off x="5262411" y="4508500"/>
+            <a:ext cx="6221412" cy="1563688"/>
+          </a:xfrm>
+        </p:spPr>
+        <p:txBody>
+          <a:bodyPr rtlCol="0">
+            <a:noAutofit/>
+          </a:bodyPr>
+          <a:lstStyle/>
+          <a:p>
+            <a:pPr rtl="0"/>
+            <a:r>
+              <a:rPr lang="ko-KR" sz="1800" dirty="0" err="1"/>
+              <a:t>PowerPoint를</a:t>
+            </a:r>
+            <a:r>
+              <a:rPr lang="ko-KR" sz="1800" dirty="0"/>
+              <a:t> 사용하여 어디서나 프레젠테이션을 만들고 다른 사람과 작업을 공유할 수 있습니다. 시작하려면 여기에 원하는 텍스트를 입력합니다. 이 템플릿에 이미지, 아트 및 비디오를 추가할 수도 있습니다. OneDrive에 저장하여 컴퓨터, 태블릿 또는 휴대폰에서 프레젠테이션에 액세스할 수 있습니다. </a:t>
+            </a:r>
+          </a:p>
+        </p:txBody>
+      </p:sp>
+      <p:sp>
+        <p:nvSpPr>
+          <p:cNvPr id="4" name="날짜 개체 틀 3">
+            <a:extLst>
+              <a:ext uri="{FF2B5EF4-FFF2-40B4-BE49-F238E27FC236}">
+                <a16:creationId xmlns:a16="http://schemas.microsoft.com/office/drawing/2014/main" id="{0C329F70-04F7-4C70-BCF8-D4371F54EF2F}"/>
+              </a:ext>
+            </a:extLst>
+          </p:cNvPr>
+          <p:cNvSpPr>
+            <a:spLocks noGrp="1"/>
+          </p:cNvSpPr>
+          <p:nvPr>
+            <p:ph type="dt" sz="half" idx="10"/>
+          </p:nvPr>
+        </p:nvSpPr>
+        <p:spPr>
+          <a:xfrm>
+            <a:off x="550863" y="6507212"/>
+            <a:ext cx="2628900" cy="153888"/>
+          </a:xfrm>
+        </p:spPr>
+        <p:txBody>
+          <a:bodyPr rtlCol="0"/>
+          <a:lstStyle/>
+          <a:p>
+            <a:pPr rtl="0"/>
+            <a:r>
+              <a:rPr lang="ko-KR"/>
+              <a:t>20XX년 2월 2일 화요일</a:t>
+            </a:r>
+            <a:endParaRPr lang="ko-KR" dirty="0"/>
+          </a:p>
+        </p:txBody>
+      </p:sp>
+      <p:sp>
+        <p:nvSpPr>
+          <p:cNvPr id="5" name="바닥글 개체 틀 4">
+            <a:extLst>
+              <a:ext uri="{FF2B5EF4-FFF2-40B4-BE49-F238E27FC236}">
+                <a16:creationId xmlns:a16="http://schemas.microsoft.com/office/drawing/2014/main" id="{06A3302E-502D-4151-81C9-5FD6AF9596D6}"/>
+              </a:ext>
+            </a:extLst>
+          </p:cNvPr>
+          <p:cNvSpPr>
+            <a:spLocks noGrp="1"/>
+          </p:cNvSpPr>
+          <p:nvPr>
+            <p:ph type="ftr" sz="quarter" idx="11"/>
+          </p:nvPr>
+        </p:nvSpPr>
+        <p:spPr>
+          <a:xfrm>
+            <a:off x="3359150" y="6507212"/>
+            <a:ext cx="6379210" cy="153888"/>
+          </a:xfrm>
+        </p:spPr>
+        <p:txBody>
+          <a:bodyPr rtlCol="0"/>
+          <a:lstStyle/>
+          <a:p>
+            <a:pPr rtl="0"/>
+            <a:r>
+              <a:rPr lang="ko-KR"/>
+              <a:t>샘플 바닥글 텍스트</a:t>
+            </a:r>
+          </a:p>
+        </p:txBody>
+      </p:sp>
+      <p:sp>
+        <p:nvSpPr>
+          <p:cNvPr id="6" name="슬라이드 번호 개체 틀 5">
+            <a:extLst>
+              <a:ext uri="{FF2B5EF4-FFF2-40B4-BE49-F238E27FC236}">
+                <a16:creationId xmlns:a16="http://schemas.microsoft.com/office/drawing/2014/main" id="{9ED907F8-C614-4D59-A03F-BF9CD5E35703}"/>
+              </a:ext>
+            </a:extLst>
+          </p:cNvPr>
+          <p:cNvSpPr>
+            <a:spLocks noGrp="1"/>
+          </p:cNvSpPr>
+          <p:nvPr>
+            <p:ph type="sldNum" sz="quarter" idx="12"/>
+          </p:nvPr>
+        </p:nvSpPr>
+        <p:spPr>
+          <a:xfrm>
+            <a:off x="9948863" y="6507212"/>
+            <a:ext cx="1692274" cy="153888"/>
+          </a:xfrm>
+        </p:spPr>
+        <p:txBody>
+          <a:bodyPr rtlCol="0"/>
+          <a:lstStyle/>
+          <a:p>
+            <a:pPr rtl="0"/>
+            <a:fld id="{DBA1B0FB-D917-4C8C-928F-313BD683BF39}" type="slidenum">
+              <a:rPr lang="en-US" altLang="ko-KR" smtClean="0"/>
+              <a:pPr rtl="0"/>
+              <a:t>13</a:t>
+            </a:fld>
+            <a:endParaRPr lang="ko-KR"/>
+          </a:p>
+        </p:txBody>
+      </p:sp>
+    </p:spTree>
+    <p:extLst>
+      <p:ext uri="{BB962C8B-B14F-4D97-AF65-F5344CB8AC3E}">
+        <p14:creationId xmlns:p14="http://schemas.microsoft.com/office/powerpoint/2010/main" val="3521561301"/>
+      </p:ext>
+    </p:extLst>
+  </p:cSld>
+  <p:clrMapOvr>
+    <a:masterClrMapping/>
+  </p:clrMapOvr>
+</p:sld>
+</file>
+
+<file path=ppt/slides/slide14.xml><?xml version="1.0" encoding="utf-8"?>
+<p:sld xmlns:a="http://schemas.openxmlformats.org/drawingml/2006/main" xmlns:r="http://schemas.openxmlformats.org/officeDocument/2006/relationships" xmlns:p="http://schemas.openxmlformats.org/presentationml/2006/main">
+  <p:cSld>
+    <p:spTree>
+      <p:nvGrpSpPr>
+        <p:cNvPr id="1" name=""/>
+        <p:cNvGrpSpPr/>
+        <p:nvPr/>
+      </p:nvGrpSpPr>
+      <p:grpSpPr>
+        <a:xfrm>
+          <a:off x="0" y="0"/>
+          <a:ext cx="0" cy="0"/>
+          <a:chOff x="0" y="0"/>
+          <a:chExt cx="0" cy="0"/>
+        </a:xfrm>
+      </p:grpSpPr>
+      <p:sp>
+        <p:nvSpPr>
           <p:cNvPr id="22" name="제목 21">
             <a:extLst>
               <a:ext uri="{FF2B5EF4-FFF2-40B4-BE49-F238E27FC236}">
@@ -21296,9 +21955,9 @@
           <a:p>
             <a:pPr rtl="0"/>
             <a:fld id="{DBA1B0FB-D917-4C8C-928F-313BD683BF39}" type="slidenum">
-              <a:rPr lang="ko-KR" smtClean="0"/>
-              <a:pPr/>
-              <a:t>13</a:t>
+              <a:rPr lang="en-US" altLang="ko-KR" smtClean="0"/>
+              <a:pPr rtl="0"/>
+              <a:t>14</a:t>
             </a:fld>
             <a:endParaRPr lang="ko-KR"/>
           </a:p>
@@ -21644,7 +22303,7 @@
           <a:p>
             <a:pPr rtl="0"/>
             <a:r>
-              <a:rPr lang="en-US" altLang="ko-KR" sz="7200" dirty="0"/>
+              <a:rPr lang="en-US" altLang="ko-KR" sz="7200"/>
               <a:t>Introduction</a:t>
             </a:r>
             <a:endParaRPr lang="ko-KR" sz="7200" dirty="0"/>
@@ -21704,8 +22363,8 @@
         </p:nvSpPr>
         <p:spPr>
           <a:xfrm>
-            <a:off x="550862" y="4060324"/>
-            <a:ext cx="10714037" cy="2340475"/>
+            <a:off x="958418" y="4060324"/>
+            <a:ext cx="10481974" cy="2446888"/>
           </a:xfrm>
         </p:spPr>
         <p:txBody>
@@ -21713,12 +22372,14 @@
           <a:lstStyle/>
           <a:p>
             <a:r>
-              <a:rPr lang="en-US" sz="2800"/>
-              <a:t>git </a:t>
-            </a:r>
-            <a:r>
-              <a:rPr lang="en-US" sz="2800" dirty="0"/>
-              <a:t>hub</a:t>
+              <a:rPr lang="en-US" sz="2800" dirty="0">
+                <a:solidFill>
+                  <a:schemeClr val="tx2">
+                    <a:alpha val="60000"/>
+                  </a:schemeClr>
+                </a:solidFill>
+              </a:rPr>
+              <a:t>git hub</a:t>
             </a:r>
           </a:p>
           <a:p>
@@ -21730,21 +22391,108 @@
                 <a:effectLst/>
                 <a:latin typeface="Consolas" panose="020B0609020204030204" pitchFamily="49" charset="0"/>
               </a:rPr>
-              <a:t>	https://github.com/sanggusbab/DgtSys_RhythmGame.git</a:t>
+              <a:t>	</a:t>
             </a:r>
-            <a:endParaRPr lang="en-US" altLang="ko-KR" b="0" dirty="0">
+            <a:r>
+              <a:rPr lang="en-US" altLang="ko-KR" b="1" dirty="0">
+                <a:solidFill>
+                  <a:srgbClr val="569CD6"/>
+                </a:solidFill>
+                <a:effectLst/>
+                <a:latin typeface="Consolas" panose="020B0609020204030204" pitchFamily="49" charset="0"/>
+                <a:hlinkClick r:id="rId4"/>
+              </a:rPr>
+              <a:t>https://github.com/sanggusbab/DgtSys_RhythmGame.git</a:t>
+            </a:r>
+            <a:endParaRPr lang="en-US" altLang="ko-KR" b="1" dirty="0">
               <a:solidFill>
-                <a:srgbClr val="D4D4D4"/>
+                <a:srgbClr val="569CD6"/>
               </a:solidFill>
               <a:effectLst/>
               <a:latin typeface="Consolas" panose="020B0609020204030204" pitchFamily="49" charset="0"/>
             </a:endParaRPr>
           </a:p>
           <a:p>
-            <a:endParaRPr lang="en-US" dirty="0"/>
-          </a:p>
-          <a:p>
-            <a:endParaRPr lang="en-US" dirty="0"/>
+            <a:r>
+              <a:rPr lang="ko-KR" altLang="en-US" b="0" dirty="0">
+                <a:solidFill>
+                  <a:srgbClr val="D4D4D4"/>
+                </a:solidFill>
+                <a:effectLst/>
+                <a:latin typeface="Consolas" panose="020B0609020204030204" pitchFamily="49" charset="0"/>
+              </a:rPr>
+              <a:t>처음에는 회로의 상태도 변화만으로 구현하려고 하였으나 기능이 추가될수록 기하급수록으로 복잡도가 올라갔다</a:t>
+            </a:r>
+            <a:r>
+              <a:rPr lang="en-US" altLang="ko-KR" b="0" dirty="0">
+                <a:solidFill>
+                  <a:srgbClr val="D4D4D4"/>
+                </a:solidFill>
+                <a:effectLst/>
+                <a:latin typeface="Consolas" panose="020B0609020204030204" pitchFamily="49" charset="0"/>
+              </a:rPr>
+              <a:t>. -&gt; CPU </a:t>
+            </a:r>
+            <a:r>
+              <a:rPr lang="ko-KR" altLang="en-US" b="0" dirty="0">
+                <a:solidFill>
+                  <a:srgbClr val="D4D4D4"/>
+                </a:solidFill>
+                <a:effectLst/>
+                <a:latin typeface="Consolas" panose="020B0609020204030204" pitchFamily="49" charset="0"/>
+              </a:rPr>
+              <a:t>설계를 사용한 후에는 동작 회로</a:t>
+            </a:r>
+            <a:r>
+              <a:rPr lang="en-US" altLang="ko-KR" b="0" dirty="0">
+                <a:solidFill>
+                  <a:srgbClr val="D4D4D4"/>
+                </a:solidFill>
+                <a:effectLst/>
+                <a:latin typeface="Consolas" panose="020B0609020204030204" pitchFamily="49" charset="0"/>
+              </a:rPr>
+              <a:t>(</a:t>
+            </a:r>
+            <a:r>
+              <a:rPr lang="ko-KR" altLang="en-US" b="0" dirty="0">
+                <a:solidFill>
+                  <a:srgbClr val="D4D4D4"/>
+                </a:solidFill>
+                <a:effectLst/>
+                <a:latin typeface="Consolas" panose="020B0609020204030204" pitchFamily="49" charset="0"/>
+              </a:rPr>
+              <a:t>프로그램</a:t>
+            </a:r>
+            <a:r>
+              <a:rPr lang="en-US" altLang="ko-KR" b="0" dirty="0">
+                <a:solidFill>
+                  <a:srgbClr val="D4D4D4"/>
+                </a:solidFill>
+                <a:effectLst/>
+                <a:latin typeface="Consolas" panose="020B0609020204030204" pitchFamily="49" charset="0"/>
+              </a:rPr>
+              <a:t>?)</a:t>
+            </a:r>
+            <a:r>
+              <a:rPr lang="ko-KR" altLang="en-US" b="0" dirty="0">
+                <a:solidFill>
+                  <a:srgbClr val="D4D4D4"/>
+                </a:solidFill>
+                <a:effectLst/>
+                <a:latin typeface="Consolas" panose="020B0609020204030204" pitchFamily="49" charset="0"/>
+              </a:rPr>
+              <a:t>의 제작 유연성이 증가함</a:t>
+            </a:r>
+            <a:r>
+              <a:rPr lang="en-US" altLang="ko-KR" b="0" dirty="0">
+                <a:solidFill>
+                  <a:srgbClr val="D4D4D4"/>
+                </a:solidFill>
+                <a:effectLst/>
+                <a:latin typeface="Consolas" panose="020B0609020204030204" pitchFamily="49" charset="0"/>
+              </a:rPr>
+              <a:t>.</a:t>
+            </a:r>
           </a:p>
         </p:txBody>
       </p:sp>
@@ -21810,14 +22558,6 @@
 <file path=ppt/slides/slide4.xml><?xml version="1.0" encoding="utf-8"?>
 <p:sld xmlns:a="http://schemas.openxmlformats.org/drawingml/2006/main" xmlns:r="http://schemas.openxmlformats.org/officeDocument/2006/relationships" xmlns:p="http://schemas.openxmlformats.org/presentationml/2006/main">
   <p:cSld>
-    <p:bg>
-      <p:bgPr>
-        <a:solidFill>
-          <a:schemeClr val="bg2"/>
-        </a:solidFill>
-        <a:effectLst/>
-      </p:bgPr>
-    </p:bg>
     <p:spTree>
       <p:nvGrpSpPr>
         <p:cNvPr id="1" name=""/>
@@ -21832,840 +22572,26 @@
           <a:chExt cx="0" cy="0"/>
         </a:xfrm>
       </p:grpSpPr>
-      <p:sp>
-        <p:nvSpPr>
-          <p:cNvPr id="34" name="자유형: 도형 33">
+      <p:pic>
+        <p:nvPicPr>
+          <p:cNvPr id="9" name="그림 8" descr="텍스트, 모니터, 스크린샷, 검은색이(가) 표시된 사진&#10;&#10;자동 생성된 설명">
             <a:extLst>
               <a:ext uri="{FF2B5EF4-FFF2-40B4-BE49-F238E27FC236}">
-                <a16:creationId xmlns:a16="http://schemas.microsoft.com/office/drawing/2014/main" id="{82184FF4-7029-4ED7-813A-192E60608764}"/>
-              </a:ext>
-              <a:ext uri="{C183D7F6-B498-43B3-948B-1728B52AA6E4}">
-                <adec:decorative xmlns:adec="http://schemas.microsoft.com/office/drawing/2017/decorative" val="1"/>
+                <a16:creationId xmlns:a16="http://schemas.microsoft.com/office/drawing/2014/main" id="{DB2C3299-F5DE-372A-46A2-98BD19D4FF97}"/>
               </a:ext>
             </a:extLst>
           </p:cNvPr>
-          <p:cNvSpPr>
-            <a:spLocks noGrp="1" noRot="1" noChangeAspect="1" noMove="1" noResize="1" noEditPoints="1" noAdjustHandles="1" noChangeArrowheads="1" noChangeShapeType="1" noTextEdit="1"/>
-          </p:cNvSpPr>
-          <p:nvPr>
-            <p:extLst>
-              <p:ext uri="{386F3935-93C4-4BCD-93E2-E3B085C9AB24}">
-                <p16:designElem xmlns:p16="http://schemas.microsoft.com/office/powerpoint/2015/main" val="1"/>
-              </p:ext>
-            </p:extLst>
-          </p:nvPr>
-        </p:nvSpPr>
-        <p:spPr>
-          <a:xfrm rot="2700000">
-            <a:off x="612445" y="481888"/>
-            <a:ext cx="1080000" cy="1262947"/>
-          </a:xfrm>
-          <a:custGeom>
-            <a:avLst/>
-            <a:gdLst/>
-            <a:ahLst/>
-            <a:cxnLst/>
-            <a:rect l="l" t="t" r="r" b="b"/>
-            <a:pathLst>
-              <a:path w="1080000" h="1262947">
-                <a:moveTo>
-                  <a:pt x="540000" y="0"/>
-                </a:moveTo>
-                <a:lnTo>
-                  <a:pt x="1064374" y="931034"/>
-                </a:lnTo>
-                <a:lnTo>
-                  <a:pt x="1069029" y="938533"/>
-                </a:lnTo>
-                <a:cubicBezTo>
-                  <a:pt x="1076223" y="956109"/>
-                  <a:pt x="1080000" y="974307"/>
-                  <a:pt x="1080000" y="992947"/>
-                </a:cubicBezTo>
-                <a:cubicBezTo>
-                  <a:pt x="1080000" y="1142064"/>
-                  <a:pt x="838234" y="1262947"/>
-                  <a:pt x="540000" y="1262947"/>
-                </a:cubicBezTo>
-                <a:cubicBezTo>
-                  <a:pt x="241766" y="1262947"/>
-                  <a:pt x="0" y="1142064"/>
-                  <a:pt x="0" y="992947"/>
-                </a:cubicBezTo>
-                <a:cubicBezTo>
-                  <a:pt x="0" y="974307"/>
-                  <a:pt x="3778" y="956109"/>
-                  <a:pt x="10971" y="938533"/>
-                </a:cubicBezTo>
-                <a:lnTo>
-                  <a:pt x="15626" y="931034"/>
-                </a:lnTo>
-                <a:lnTo>
-                  <a:pt x="540000" y="0"/>
-                </a:lnTo>
-                <a:close/>
-              </a:path>
-            </a:pathLst>
-          </a:custGeom>
-          <a:gradFill>
-            <a:gsLst>
-              <a:gs pos="60000">
-                <a:schemeClr val="bg2">
-                  <a:lumMod val="90000"/>
-                  <a:lumOff val="10000"/>
-                </a:schemeClr>
-              </a:gs>
-              <a:gs pos="30000">
-                <a:schemeClr val="bg2">
-                  <a:lumMod val="90000"/>
-                  <a:lumOff val="10000"/>
-                </a:schemeClr>
-              </a:gs>
-              <a:gs pos="40000">
-                <a:schemeClr val="bg2">
-                  <a:lumMod val="75000"/>
-                  <a:lumOff val="25000"/>
-                </a:schemeClr>
-              </a:gs>
-              <a:gs pos="100000">
-                <a:schemeClr val="bg2"/>
-              </a:gs>
-            </a:gsLst>
-            <a:lin ang="600000" scaled="0"/>
-          </a:gradFill>
-          <a:ln>
-            <a:noFill/>
-          </a:ln>
-          <a:effectLst>
-            <a:innerShdw blurRad="254000" dist="101600" dir="2700000">
-              <a:schemeClr val="accent1">
-                <a:lumMod val="60000"/>
-                <a:lumOff val="40000"/>
-                <a:alpha val="40000"/>
-              </a:schemeClr>
-            </a:innerShdw>
-          </a:effectLst>
-        </p:spPr>
-        <p:style>
-          <a:lnRef idx="2">
-            <a:schemeClr val="accent1">
-              <a:shade val="50000"/>
-            </a:schemeClr>
-          </a:lnRef>
-          <a:fillRef idx="1">
-            <a:schemeClr val="accent1"/>
-          </a:fillRef>
-          <a:effectRef idx="0">
-            <a:schemeClr val="accent1"/>
-          </a:effectRef>
-          <a:fontRef idx="minor">
-            <a:schemeClr val="lt1"/>
-          </a:fontRef>
-        </p:style>
-        <p:txBody>
-          <a:bodyPr rot="0" spcFirstLastPara="0" vertOverflow="overflow" horzOverflow="overflow" vert="horz" wrap="square" lIns="91440" tIns="45720" rIns="91440" bIns="45720" numCol="1" spcCol="0" rtlCol="0" fromWordArt="0" anchor="ctr" anchorCtr="0" forceAA="0" compatLnSpc="1">
-            <a:prstTxWarp prst="textNoShape">
-              <a:avLst/>
-            </a:prstTxWarp>
-            <a:noAutofit/>
-          </a:bodyPr>
-          <a:lstStyle/>
-          <a:p>
-            <a:pPr algn="ctr" rtl="0"/>
-            <a:endParaRPr lang="ko-KR"/>
-          </a:p>
-        </p:txBody>
-      </p:sp>
-      <p:sp>
-        <p:nvSpPr>
-          <p:cNvPr id="36" name="타원 35">
-            <a:extLst>
-              <a:ext uri="{FF2B5EF4-FFF2-40B4-BE49-F238E27FC236}">
-                <a16:creationId xmlns:a16="http://schemas.microsoft.com/office/drawing/2014/main" id="{AAA7AB09-557C-41AD-9113-FF9F68FA1035}"/>
-              </a:ext>
-              <a:ext uri="{C183D7F6-B498-43B3-948B-1728B52AA6E4}">
-                <adec:decorative xmlns:adec="http://schemas.microsoft.com/office/drawing/2017/decorative" val="1"/>
-              </a:ext>
-            </a:extLst>
-          </p:cNvPr>
-          <p:cNvSpPr>
-            <a:spLocks noGrp="1" noRot="1" noChangeAspect="1" noMove="1" noResize="1" noEditPoints="1" noAdjustHandles="1" noChangeArrowheads="1" noChangeShapeType="1" noTextEdit="1"/>
-          </p:cNvSpPr>
-          <p:nvPr>
-            <p:extLst>
-              <p:ext uri="{386F3935-93C4-4BCD-93E2-E3B085C9AB24}">
-                <p16:designElem xmlns:p16="http://schemas.microsoft.com/office/powerpoint/2015/main" val="1"/>
-              </p:ext>
-            </p:extLst>
-          </p:nvPr>
-        </p:nvSpPr>
-        <p:spPr>
-          <a:xfrm rot="8100000">
-            <a:off x="626845" y="828962"/>
-            <a:ext cx="540000" cy="1080000"/>
-          </a:xfrm>
-          <a:prstGeom prst="ellipse">
-            <a:avLst/>
-          </a:prstGeom>
-          <a:gradFill>
-            <a:gsLst>
-              <a:gs pos="100000">
-                <a:schemeClr val="bg2">
-                  <a:lumMod val="90000"/>
-                  <a:lumOff val="10000"/>
-                </a:schemeClr>
-              </a:gs>
-              <a:gs pos="50000">
-                <a:schemeClr val="bg2">
-                  <a:lumMod val="95000"/>
-                  <a:lumOff val="5000"/>
-                </a:schemeClr>
-              </a:gs>
-            </a:gsLst>
-            <a:lin ang="5400000" scaled="0"/>
-          </a:gradFill>
-          <a:ln>
-            <a:noFill/>
-          </a:ln>
-          <a:effectLst>
-            <a:innerShdw blurRad="1270000" dist="2540000">
-              <a:schemeClr val="accent1">
-                <a:lumMod val="60000"/>
-                <a:lumOff val="40000"/>
-                <a:alpha val="0"/>
-              </a:schemeClr>
-            </a:innerShdw>
-          </a:effectLst>
-        </p:spPr>
-        <p:style>
-          <a:lnRef idx="2">
-            <a:schemeClr val="accent1">
-              <a:shade val="50000"/>
-            </a:schemeClr>
-          </a:lnRef>
-          <a:fillRef idx="1">
-            <a:schemeClr val="accent1"/>
-          </a:fillRef>
-          <a:effectRef idx="0">
-            <a:schemeClr val="accent1"/>
-          </a:effectRef>
-          <a:fontRef idx="minor">
-            <a:schemeClr val="lt1"/>
-          </a:fontRef>
-        </p:style>
-        <p:txBody>
-          <a:bodyPr rot="0" spcFirstLastPara="0" vertOverflow="overflow" horzOverflow="overflow" vert="horz" wrap="square" lIns="91440" tIns="45720" rIns="91440" bIns="45720" numCol="1" spcCol="0" rtlCol="0" fromWordArt="0" anchor="ctr" anchorCtr="0" forceAA="0" compatLnSpc="1">
-            <a:prstTxWarp prst="textNoShape">
-              <a:avLst/>
-            </a:prstTxWarp>
-            <a:noAutofit/>
-          </a:bodyPr>
-          <a:lstStyle/>
-          <a:p>
-            <a:pPr algn="ctr" rtl="0"/>
-            <a:endParaRPr lang="ko-KR"/>
-          </a:p>
-        </p:txBody>
-      </p:sp>
-      <p:sp>
-        <p:nvSpPr>
-          <p:cNvPr id="38" name="타원 37">
-            <a:extLst>
-              <a:ext uri="{FF2B5EF4-FFF2-40B4-BE49-F238E27FC236}">
-                <a16:creationId xmlns:a16="http://schemas.microsoft.com/office/drawing/2014/main" id="{EF99ECAA-1F11-4937-BBA6-51935AB44C9D}"/>
-              </a:ext>
-              <a:ext uri="{C183D7F6-B498-43B3-948B-1728B52AA6E4}">
-                <adec:decorative xmlns:adec="http://schemas.microsoft.com/office/drawing/2017/decorative" val="1"/>
-              </a:ext>
-            </a:extLst>
-          </p:cNvPr>
-          <p:cNvSpPr>
-            <a:spLocks noGrp="1" noRot="1" noChangeAspect="1" noMove="1" noResize="1" noEditPoints="1" noAdjustHandles="1" noChangeArrowheads="1" noChangeShapeType="1" noTextEdit="1"/>
-          </p:cNvSpPr>
-          <p:nvPr>
-            <p:extLst>
-              <p:ext uri="{386F3935-93C4-4BCD-93E2-E3B085C9AB24}">
-                <p16:designElem xmlns:p16="http://schemas.microsoft.com/office/powerpoint/2015/main" val="1"/>
-              </p:ext>
-            </p:extLst>
-          </p:nvPr>
-        </p:nvSpPr>
-        <p:spPr>
-          <a:xfrm>
-            <a:off x="1800802" y="2472855"/>
-            <a:ext cx="360000" cy="360000"/>
-          </a:xfrm>
-          <a:prstGeom prst="ellipse">
-            <a:avLst/>
-          </a:prstGeom>
-          <a:gradFill flip="none" rotWithShape="1">
-            <a:gsLst>
-              <a:gs pos="100000">
-                <a:schemeClr val="bg2">
-                  <a:lumMod val="50000"/>
-                  <a:lumOff val="50000"/>
-                </a:schemeClr>
-              </a:gs>
-              <a:gs pos="60000">
-                <a:schemeClr val="bg2"/>
-              </a:gs>
-            </a:gsLst>
-            <a:path path="circle">
-              <a:fillToRect l="100000" b="100000"/>
-            </a:path>
-            <a:tileRect t="-100000" r="-100000"/>
-          </a:gradFill>
-          <a:ln>
-            <a:noFill/>
-          </a:ln>
-          <a:effectLst>
-            <a:innerShdw blurRad="127000" dist="63500" dir="2700000">
-              <a:schemeClr val="accent1">
-                <a:lumMod val="60000"/>
-                <a:lumOff val="40000"/>
-                <a:alpha val="20000"/>
-              </a:schemeClr>
-            </a:innerShdw>
-            <a:softEdge rad="0"/>
-          </a:effectLst>
-        </p:spPr>
-        <p:style>
-          <a:lnRef idx="2">
-            <a:schemeClr val="accent1">
-              <a:shade val="50000"/>
-            </a:schemeClr>
-          </a:lnRef>
-          <a:fillRef idx="1">
-            <a:schemeClr val="accent1"/>
-          </a:fillRef>
-          <a:effectRef idx="0">
-            <a:schemeClr val="accent1"/>
-          </a:effectRef>
-          <a:fontRef idx="minor">
-            <a:schemeClr val="lt1"/>
-          </a:fontRef>
-        </p:style>
-        <p:txBody>
-          <a:bodyPr rot="0" spcFirstLastPara="0" vertOverflow="overflow" horzOverflow="overflow" vert="horz" wrap="square" lIns="91440" tIns="45720" rIns="91440" bIns="45720" numCol="1" spcCol="0" rtlCol="0" fromWordArt="0" anchor="ctr" anchorCtr="0" forceAA="0" compatLnSpc="1">
-            <a:prstTxWarp prst="textNoShape">
-              <a:avLst/>
-            </a:prstTxWarp>
-            <a:noAutofit/>
-          </a:bodyPr>
-          <a:lstStyle/>
-          <a:p>
-            <a:pPr algn="ctr" rtl="0"/>
-            <a:endParaRPr lang="ko-KR"/>
-          </a:p>
-        </p:txBody>
-      </p:sp>
-      <p:grpSp>
-        <p:nvGrpSpPr>
-          <p:cNvPr id="40" name="그룹 39">
-            <a:extLst>
-              <a:ext uri="{FF2B5EF4-FFF2-40B4-BE49-F238E27FC236}">
-                <a16:creationId xmlns:a16="http://schemas.microsoft.com/office/drawing/2014/main" id="{79DE9FAB-6BBA-4CFE-B67D-77B47F01ECA4}"/>
-              </a:ext>
-              <a:ext uri="{C183D7F6-B498-43B3-948B-1728B52AA6E4}">
-                <adec:decorative xmlns:adec="http://schemas.microsoft.com/office/drawing/2017/decorative" val="1"/>
-              </a:ext>
-            </a:extLst>
-          </p:cNvPr>
-          <p:cNvGrpSpPr>
-            <a:grpSpLocks noGrp="1" noUngrp="1" noRot="1" noChangeAspect="1" noMove="1" noResize="1"/>
-          </p:cNvGrpSpPr>
-          <p:nvPr>
-            <p:extLst>
-              <p:ext uri="{386F3935-93C4-4BCD-93E2-E3B085C9AB24}">
-                <p16:designElem xmlns:p16="http://schemas.microsoft.com/office/powerpoint/2015/main" val="1"/>
-              </p:ext>
-            </p:extLst>
-          </p:nvPr>
-        </p:nvGrpSpPr>
-        <p:grpSpPr>
-          <a:xfrm>
-            <a:off x="1329952" y="4524379"/>
-            <a:ext cx="1980001" cy="1363916"/>
-            <a:chOff x="4879602" y="3781429"/>
-            <a:chExt cx="1980001" cy="1363916"/>
-          </a:xfrm>
-        </p:grpSpPr>
-        <p:sp>
-          <p:nvSpPr>
-            <p:cNvPr id="41" name="자유형: 도형 40">
-              <a:extLst>
-                <a:ext uri="{FF2B5EF4-FFF2-40B4-BE49-F238E27FC236}">
-                  <a16:creationId xmlns:a16="http://schemas.microsoft.com/office/drawing/2014/main" id="{79FAC916-D9BB-4794-81B4-7C47C67E850D}"/>
-                </a:ext>
-                <a:ext uri="{C183D7F6-B498-43B3-948B-1728B52AA6E4}">
-                  <adec:decorative xmlns:adec="http://schemas.microsoft.com/office/drawing/2017/decorative" val="1"/>
-                </a:ext>
-              </a:extLst>
-            </p:cNvPr>
-            <p:cNvSpPr>
-              <a:spLocks noChangeAspect="1"/>
-            </p:cNvSpPr>
-            <p:nvPr>
-              <p:extLst>
-                <p:ext uri="{386F3935-93C4-4BCD-93E2-E3B085C9AB24}">
-                  <p16:designElem xmlns:p16="http://schemas.microsoft.com/office/powerpoint/2015/main" val="1"/>
-                </p:ext>
-              </p:extLst>
-            </p:nvPr>
-          </p:nvSpPr>
-          <p:spPr>
-            <a:xfrm rot="18900000" flipV="1">
-              <a:off x="5005634" y="4191206"/>
-              <a:ext cx="1853969" cy="926985"/>
-            </a:xfrm>
-            <a:custGeom>
-              <a:avLst/>
-              <a:gdLst>
-                <a:gd name="connsiteX0" fmla="*/ 1329373 w 2658746"/>
-                <a:gd name="connsiteY0" fmla="*/ 0 h 1329373"/>
-                <a:gd name="connsiteX1" fmla="*/ 2658746 w 2658746"/>
-                <a:gd name="connsiteY1" fmla="*/ 1329373 h 1329373"/>
-                <a:gd name="connsiteX2" fmla="*/ 1994059 w 2658746"/>
-                <a:gd name="connsiteY2" fmla="*/ 1329373 h 1329373"/>
-                <a:gd name="connsiteX3" fmla="*/ 1329373 w 2658746"/>
-                <a:gd name="connsiteY3" fmla="*/ 664687 h 1329373"/>
-                <a:gd name="connsiteX4" fmla="*/ 664687 w 2658746"/>
-                <a:gd name="connsiteY4" fmla="*/ 1329373 h 1329373"/>
-                <a:gd name="connsiteX5" fmla="*/ 0 w 2658746"/>
-                <a:gd name="connsiteY5" fmla="*/ 1329373 h 1329373"/>
-                <a:gd name="connsiteX6" fmla="*/ 1329373 w 2658746"/>
-                <a:gd name="connsiteY6" fmla="*/ 0 h 1329373"/>
-              </a:gdLst>
-              <a:ahLst/>
-              <a:cxnLst>
-                <a:cxn ang="0">
-                  <a:pos x="connsiteX0" y="connsiteY0"/>
-                </a:cxn>
-                <a:cxn ang="0">
-                  <a:pos x="connsiteX1" y="connsiteY1"/>
-                </a:cxn>
-                <a:cxn ang="0">
-                  <a:pos x="connsiteX2" y="connsiteY2"/>
-                </a:cxn>
-                <a:cxn ang="0">
-                  <a:pos x="connsiteX3" y="connsiteY3"/>
-                </a:cxn>
-                <a:cxn ang="0">
-                  <a:pos x="connsiteX4" y="connsiteY4"/>
-                </a:cxn>
-                <a:cxn ang="0">
-                  <a:pos x="connsiteX5" y="connsiteY5"/>
-                </a:cxn>
-                <a:cxn ang="0">
-                  <a:pos x="connsiteX6" y="connsiteY6"/>
-                </a:cxn>
-              </a:cxnLst>
-              <a:rect l="l" t="t" r="r" b="b"/>
-              <a:pathLst>
-                <a:path w="2658746" h="1329373">
-                  <a:moveTo>
-                    <a:pt x="1329373" y="0"/>
-                  </a:moveTo>
-                  <a:cubicBezTo>
-                    <a:pt x="2063565" y="0"/>
-                    <a:pt x="2658746" y="595181"/>
-                    <a:pt x="2658746" y="1329373"/>
-                  </a:cubicBezTo>
-                  <a:lnTo>
-                    <a:pt x="1994059" y="1329373"/>
-                  </a:lnTo>
-                  <a:cubicBezTo>
-                    <a:pt x="1994059" y="962277"/>
-                    <a:pt x="1696469" y="664687"/>
-                    <a:pt x="1329373" y="664687"/>
-                  </a:cubicBezTo>
-                  <a:cubicBezTo>
-                    <a:pt x="962277" y="664687"/>
-                    <a:pt x="664687" y="962277"/>
-                    <a:pt x="664687" y="1329373"/>
-                  </a:cubicBezTo>
-                  <a:lnTo>
-                    <a:pt x="0" y="1329373"/>
-                  </a:lnTo>
-                  <a:cubicBezTo>
-                    <a:pt x="0" y="595181"/>
-                    <a:pt x="595181" y="0"/>
-                    <a:pt x="1329373" y="0"/>
-                  </a:cubicBezTo>
-                  <a:close/>
-                </a:path>
-              </a:pathLst>
-            </a:custGeom>
-            <a:solidFill>
-              <a:schemeClr val="bg2"/>
-            </a:solidFill>
-            <a:ln>
-              <a:noFill/>
-            </a:ln>
-            <a:effectLst>
-              <a:innerShdw blurRad="254000" dist="50800" dir="16200000">
-                <a:schemeClr val="accent1">
-                  <a:lumMod val="40000"/>
-                  <a:lumOff val="60000"/>
-                  <a:alpha val="40000"/>
-                </a:schemeClr>
-              </a:innerShdw>
-            </a:effectLst>
-          </p:spPr>
-          <p:style>
-            <a:lnRef idx="2">
-              <a:schemeClr val="accent1">
-                <a:shade val="50000"/>
-              </a:schemeClr>
-            </a:lnRef>
-            <a:fillRef idx="1">
-              <a:schemeClr val="accent1"/>
-            </a:fillRef>
-            <a:effectRef idx="0">
-              <a:schemeClr val="accent1"/>
-            </a:effectRef>
-            <a:fontRef idx="minor">
-              <a:schemeClr val="lt1"/>
-            </a:fontRef>
-          </p:style>
-          <p:txBody>
-            <a:bodyPr rtlCol="0" anchor="ctr"/>
-            <a:lstStyle/>
-            <a:p>
-              <a:pPr algn="ctr" rtl="0"/>
-              <a:endParaRPr lang="ko-KR"/>
-            </a:p>
-          </p:txBody>
-        </p:sp>
-        <p:sp>
-          <p:nvSpPr>
-            <p:cNvPr id="42" name="자유형: 도형 41">
-              <a:extLst>
-                <a:ext uri="{FF2B5EF4-FFF2-40B4-BE49-F238E27FC236}">
-                  <a16:creationId xmlns:a16="http://schemas.microsoft.com/office/drawing/2014/main" id="{B5CA2231-7A65-4D16-8400-A210CC41DB73}"/>
-                </a:ext>
-                <a:ext uri="{C183D7F6-B498-43B3-948B-1728B52AA6E4}">
-                  <adec:decorative xmlns:adec="http://schemas.microsoft.com/office/drawing/2017/decorative" val="1"/>
-                </a:ext>
-              </a:extLst>
-            </p:cNvPr>
-            <p:cNvSpPr>
-              <a:spLocks noChangeAspect="1"/>
-            </p:cNvSpPr>
-            <p:nvPr>
-              <p:extLst>
-                <p:ext uri="{386F3935-93C4-4BCD-93E2-E3B085C9AB24}">
-                  <p16:designElem xmlns:p16="http://schemas.microsoft.com/office/powerpoint/2015/main" val="1"/>
-                </p:ext>
-              </p:extLst>
-            </p:nvPr>
-          </p:nvSpPr>
-          <p:spPr>
-            <a:xfrm rot="18900000" flipV="1">
-              <a:off x="4957101" y="4052255"/>
-              <a:ext cx="1853969" cy="1093090"/>
-            </a:xfrm>
-            <a:custGeom>
-              <a:avLst/>
-              <a:gdLst>
-                <a:gd name="connsiteX0" fmla="*/ 1329373 w 2658746"/>
-                <a:gd name="connsiteY0" fmla="*/ 0 h 1329373"/>
-                <a:gd name="connsiteX1" fmla="*/ 2658746 w 2658746"/>
-                <a:gd name="connsiteY1" fmla="*/ 1329373 h 1329373"/>
-                <a:gd name="connsiteX2" fmla="*/ 1994059 w 2658746"/>
-                <a:gd name="connsiteY2" fmla="*/ 1329373 h 1329373"/>
-                <a:gd name="connsiteX3" fmla="*/ 1329373 w 2658746"/>
-                <a:gd name="connsiteY3" fmla="*/ 664687 h 1329373"/>
-                <a:gd name="connsiteX4" fmla="*/ 664687 w 2658746"/>
-                <a:gd name="connsiteY4" fmla="*/ 1329373 h 1329373"/>
-                <a:gd name="connsiteX5" fmla="*/ 0 w 2658746"/>
-                <a:gd name="connsiteY5" fmla="*/ 1329373 h 1329373"/>
-                <a:gd name="connsiteX6" fmla="*/ 1329373 w 2658746"/>
-                <a:gd name="connsiteY6" fmla="*/ 0 h 1329373"/>
-              </a:gdLst>
-              <a:ahLst/>
-              <a:cxnLst>
-                <a:cxn ang="0">
-                  <a:pos x="connsiteX0" y="connsiteY0"/>
-                </a:cxn>
-                <a:cxn ang="0">
-                  <a:pos x="connsiteX1" y="connsiteY1"/>
-                </a:cxn>
-                <a:cxn ang="0">
-                  <a:pos x="connsiteX2" y="connsiteY2"/>
-                </a:cxn>
-                <a:cxn ang="0">
-                  <a:pos x="connsiteX3" y="connsiteY3"/>
-                </a:cxn>
-                <a:cxn ang="0">
-                  <a:pos x="connsiteX4" y="connsiteY4"/>
-                </a:cxn>
-                <a:cxn ang="0">
-                  <a:pos x="connsiteX5" y="connsiteY5"/>
-                </a:cxn>
-                <a:cxn ang="0">
-                  <a:pos x="connsiteX6" y="connsiteY6"/>
-                </a:cxn>
-              </a:cxnLst>
-              <a:rect l="l" t="t" r="r" b="b"/>
-              <a:pathLst>
-                <a:path w="2658746" h="1329373">
-                  <a:moveTo>
-                    <a:pt x="1329373" y="0"/>
-                  </a:moveTo>
-                  <a:cubicBezTo>
-                    <a:pt x="2063565" y="0"/>
-                    <a:pt x="2658746" y="595181"/>
-                    <a:pt x="2658746" y="1329373"/>
-                  </a:cubicBezTo>
-                  <a:lnTo>
-                    <a:pt x="1994059" y="1329373"/>
-                  </a:lnTo>
-                  <a:cubicBezTo>
-                    <a:pt x="1994059" y="962277"/>
-                    <a:pt x="1696469" y="664687"/>
-                    <a:pt x="1329373" y="664687"/>
-                  </a:cubicBezTo>
-                  <a:cubicBezTo>
-                    <a:pt x="962277" y="664687"/>
-                    <a:pt x="664687" y="962277"/>
-                    <a:pt x="664687" y="1329373"/>
-                  </a:cubicBezTo>
-                  <a:lnTo>
-                    <a:pt x="0" y="1329373"/>
-                  </a:lnTo>
-                  <a:cubicBezTo>
-                    <a:pt x="0" y="595181"/>
-                    <a:pt x="595181" y="0"/>
-                    <a:pt x="1329373" y="0"/>
-                  </a:cubicBezTo>
-                  <a:close/>
-                </a:path>
-              </a:pathLst>
-            </a:custGeom>
-            <a:solidFill>
-              <a:schemeClr val="bg2">
-                <a:lumMod val="50000"/>
-                <a:lumOff val="50000"/>
-                <a:alpha val="40000"/>
-              </a:schemeClr>
-            </a:solidFill>
-            <a:ln>
-              <a:noFill/>
-            </a:ln>
-            <a:effectLst>
-              <a:softEdge rad="190500"/>
-            </a:effectLst>
-          </p:spPr>
-          <p:style>
-            <a:lnRef idx="2">
-              <a:schemeClr val="accent1">
-                <a:shade val="50000"/>
-              </a:schemeClr>
-            </a:lnRef>
-            <a:fillRef idx="1">
-              <a:schemeClr val="accent1"/>
-            </a:fillRef>
-            <a:effectRef idx="0">
-              <a:schemeClr val="accent1"/>
-            </a:effectRef>
-            <a:fontRef idx="minor">
-              <a:schemeClr val="lt1"/>
-            </a:fontRef>
-          </p:style>
-          <p:txBody>
-            <a:bodyPr rtlCol="0" anchor="ctr"/>
-            <a:lstStyle/>
-            <a:p>
-              <a:pPr algn="ctr" rtl="0"/>
-              <a:endParaRPr lang="ko-KR">
-                <a:solidFill>
-                  <a:schemeClr val="tx1"/>
-                </a:solidFill>
-              </a:endParaRPr>
-            </a:p>
-          </p:txBody>
-        </p:sp>
-        <p:sp>
-          <p:nvSpPr>
-            <p:cNvPr id="43" name="타원 42">
-              <a:extLst>
-                <a:ext uri="{FF2B5EF4-FFF2-40B4-BE49-F238E27FC236}">
-                  <a16:creationId xmlns:a16="http://schemas.microsoft.com/office/drawing/2014/main" id="{4B089C8C-B82B-4704-88E2-E857A5E21529}"/>
-                </a:ext>
-                <a:ext uri="{C183D7F6-B498-43B3-948B-1728B52AA6E4}">
-                  <adec:decorative xmlns:adec="http://schemas.microsoft.com/office/drawing/2017/decorative" val="1"/>
-                </a:ext>
-              </a:extLst>
-            </p:cNvPr>
-            <p:cNvSpPr/>
-            <p:nvPr>
-              <p:extLst>
-                <p:ext uri="{386F3935-93C4-4BCD-93E2-E3B085C9AB24}">
-                  <p16:designElem xmlns:p16="http://schemas.microsoft.com/office/powerpoint/2015/main" val="1"/>
-                </p:ext>
-              </p:extLst>
-            </p:nvPr>
-          </p:nvSpPr>
-          <p:spPr>
-            <a:xfrm rot="13500000" flipV="1">
-              <a:off x="6040374" y="3601683"/>
-              <a:ext cx="107098" cy="466589"/>
-            </a:xfrm>
-            <a:prstGeom prst="ellipse">
-              <a:avLst/>
-            </a:prstGeom>
-            <a:solidFill>
-              <a:schemeClr val="bg2">
-                <a:lumMod val="90000"/>
-                <a:lumOff val="10000"/>
-              </a:schemeClr>
-            </a:solidFill>
-            <a:ln>
-              <a:noFill/>
-            </a:ln>
-            <a:effectLst>
-              <a:innerShdw blurRad="63500" dist="2540000">
-                <a:schemeClr val="accent1">
-                  <a:lumMod val="60000"/>
-                  <a:lumOff val="40000"/>
-                  <a:alpha val="0"/>
-                </a:schemeClr>
-              </a:innerShdw>
-            </a:effectLst>
-          </p:spPr>
-          <p:style>
-            <a:lnRef idx="2">
-              <a:schemeClr val="accent1">
-                <a:shade val="50000"/>
-              </a:schemeClr>
-            </a:lnRef>
-            <a:fillRef idx="1">
-              <a:schemeClr val="accent1"/>
-            </a:fillRef>
-            <a:effectRef idx="0">
-              <a:schemeClr val="accent1"/>
-            </a:effectRef>
-            <a:fontRef idx="minor">
-              <a:schemeClr val="lt1"/>
-            </a:fontRef>
-          </p:style>
-          <p:txBody>
-            <a:bodyPr rot="0" spcFirstLastPara="0" vertOverflow="overflow" horzOverflow="overflow" vert="horz" wrap="square" lIns="91440" tIns="45720" rIns="91440" bIns="45720" numCol="1" spcCol="0" rtlCol="0" fromWordArt="0" anchor="ctr" anchorCtr="0" forceAA="0" compatLnSpc="1">
-              <a:prstTxWarp prst="textNoShape">
-                <a:avLst/>
-              </a:prstTxWarp>
-              <a:noAutofit/>
-            </a:bodyPr>
-            <a:lstStyle/>
-            <a:p>
-              <a:pPr algn="ctr" rtl="0"/>
-              <a:endParaRPr lang="ko-KR"/>
-            </a:p>
-          </p:txBody>
-        </p:sp>
-        <p:sp>
-          <p:nvSpPr>
-            <p:cNvPr id="44" name="타원 43">
-              <a:extLst>
-                <a:ext uri="{FF2B5EF4-FFF2-40B4-BE49-F238E27FC236}">
-                  <a16:creationId xmlns:a16="http://schemas.microsoft.com/office/drawing/2014/main" id="{434B90C8-5B4D-456E-AD99-80EF748FDD72}"/>
-                </a:ext>
-                <a:ext uri="{C183D7F6-B498-43B3-948B-1728B52AA6E4}">
-                  <adec:decorative xmlns:adec="http://schemas.microsoft.com/office/drawing/2017/decorative" val="1"/>
-                </a:ext>
-              </a:extLst>
-            </p:cNvPr>
-            <p:cNvSpPr/>
-            <p:nvPr>
-              <p:extLst>
-                <p:ext uri="{386F3935-93C4-4BCD-93E2-E3B085C9AB24}">
-                  <p16:designElem xmlns:p16="http://schemas.microsoft.com/office/powerpoint/2015/main" val="1"/>
-                </p:ext>
-              </p:extLst>
-            </p:nvPr>
-          </p:nvSpPr>
-          <p:spPr>
-            <a:xfrm rot="13500000" flipV="1">
-              <a:off x="5059348" y="4582709"/>
-              <a:ext cx="107098" cy="466589"/>
-            </a:xfrm>
-            <a:prstGeom prst="ellipse">
-              <a:avLst/>
-            </a:prstGeom>
-            <a:solidFill>
-              <a:schemeClr val="bg2">
-                <a:lumMod val="90000"/>
-                <a:lumOff val="10000"/>
-              </a:schemeClr>
-            </a:solidFill>
-            <a:ln>
-              <a:noFill/>
-            </a:ln>
-            <a:effectLst>
-              <a:innerShdw blurRad="63500" dist="2540000">
-                <a:schemeClr val="accent1">
-                  <a:lumMod val="60000"/>
-                  <a:lumOff val="40000"/>
-                  <a:alpha val="0"/>
-                </a:schemeClr>
-              </a:innerShdw>
-            </a:effectLst>
-          </p:spPr>
-          <p:style>
-            <a:lnRef idx="2">
-              <a:schemeClr val="accent1">
-                <a:shade val="50000"/>
-              </a:schemeClr>
-            </a:lnRef>
-            <a:fillRef idx="1">
-              <a:schemeClr val="accent1"/>
-            </a:fillRef>
-            <a:effectRef idx="0">
-              <a:schemeClr val="accent1"/>
-            </a:effectRef>
-            <a:fontRef idx="minor">
-              <a:schemeClr val="lt1"/>
-            </a:fontRef>
-          </p:style>
-          <p:txBody>
-            <a:bodyPr rot="0" spcFirstLastPara="0" vertOverflow="overflow" horzOverflow="overflow" vert="horz" wrap="square" lIns="91440" tIns="45720" rIns="91440" bIns="45720" numCol="1" spcCol="0" rtlCol="0" fromWordArt="0" anchor="ctr" anchorCtr="0" forceAA="0" compatLnSpc="1">
-              <a:prstTxWarp prst="textNoShape">
-                <a:avLst/>
-              </a:prstTxWarp>
-              <a:noAutofit/>
-            </a:bodyPr>
-            <a:lstStyle/>
-            <a:p>
-              <a:pPr algn="ctr" rtl="0"/>
-              <a:endParaRPr lang="ko-KR"/>
-            </a:p>
-          </p:txBody>
-        </p:sp>
-      </p:grpSp>
-      <p:sp useBgFill="1">
-        <p:nvSpPr>
-          <p:cNvPr id="46" name="직사각형 45">
-            <a:extLst>
-              <a:ext uri="{FF2B5EF4-FFF2-40B4-BE49-F238E27FC236}">
-                <a16:creationId xmlns:a16="http://schemas.microsoft.com/office/drawing/2014/main" id="{1DB043B4-68C6-45B9-82AC-A5800EADB8DB}"/>
-              </a:ext>
-              <a:ext uri="{C183D7F6-B498-43B3-948B-1728B52AA6E4}">
-                <adec:decorative xmlns:adec="http://schemas.microsoft.com/office/drawing/2017/decorative" val="1"/>
-              </a:ext>
-            </a:extLst>
-          </p:cNvPr>
-          <p:cNvSpPr>
-            <a:spLocks noGrp="1" noRot="1" noChangeAspect="1" noMove="1" noResize="1" noEditPoints="1" noAdjustHandles="1" noChangeArrowheads="1" noChangeShapeType="1" noTextEdit="1"/>
-          </p:cNvSpPr>
-          <p:nvPr>
-            <p:extLst>
-              <p:ext uri="{386F3935-93C4-4BCD-93E2-E3B085C9AB24}">
-                <p16:designElem xmlns:p16="http://schemas.microsoft.com/office/powerpoint/2015/main" val="1"/>
-              </p:ext>
-            </p:extLst>
-          </p:nvPr>
-        </p:nvSpPr>
+          <p:cNvPicPr>
+            <a:picLocks noChangeAspect="1"/>
+          </p:cNvPicPr>
+          <p:nvPr/>
+        </p:nvPicPr>
+        <p:blipFill>
+          <a:blip r:embed="rId2"/>
+          <a:stretch>
+            <a:fillRect/>
+          </a:stretch>
+        </p:blipFill>
         <p:spPr>
           <a:xfrm>
             <a:off x="0" y="0"/>
@@ -22674,390 +22600,15 @@
           <a:prstGeom prst="rect">
             <a:avLst/>
           </a:prstGeom>
-          <a:ln w="12700" cap="flat" cmpd="sng" algn="ctr">
-            <a:noFill/>
-            <a:prstDash val="solid"/>
-            <a:miter lim="800000"/>
-          </a:ln>
-          <a:effectLst/>
-          <a:extLst>
-            <a:ext uri="{91240B29-F687-4F45-9708-019B960494DF}">
-              <a14:hiddenLine xmlns:a14="http://schemas.microsoft.com/office/drawing/2010/main" w="12700" cap="flat" cmpd="sng" algn="ctr">
-                <a:solidFill>
-                  <a:schemeClr val="accent1">
-                    <a:shade val="50000"/>
-                  </a:schemeClr>
-                </a:solidFill>
-                <a:prstDash val="solid"/>
-                <a:miter lim="800000"/>
-              </a14:hiddenLine>
-            </a:ext>
-          </a:extLst>
+          <a:noFill/>
         </p:spPr>
-        <p:style>
-          <a:lnRef idx="2">
-            <a:schemeClr val="accent1">
-              <a:shade val="50000"/>
-            </a:schemeClr>
-          </a:lnRef>
-          <a:fillRef idx="1">
-            <a:schemeClr val="accent1"/>
-          </a:fillRef>
-          <a:effectRef idx="0">
-            <a:schemeClr val="accent1"/>
-          </a:effectRef>
-          <a:fontRef idx="minor">
-            <a:schemeClr val="lt1"/>
-          </a:fontRef>
-        </p:style>
-        <p:txBody>
-          <a:bodyPr rtlCol="0" anchor="ctr"/>
-          <a:lstStyle/>
-          <a:p>
-            <a:pPr algn="ctr" rtl="0"/>
-            <a:endParaRPr lang="ko-KR"/>
-          </a:p>
-        </p:txBody>
-      </p:sp>
-      <p:pic>
-        <p:nvPicPr>
-          <p:cNvPr id="8" name="그림 개체 틀 7" descr="데이터 요소 디지털 배경">
-            <a:extLst>
-              <a:ext uri="{FF2B5EF4-FFF2-40B4-BE49-F238E27FC236}">
-                <a16:creationId xmlns:a16="http://schemas.microsoft.com/office/drawing/2014/main" id="{5FED7C55-F545-49A1-90FD-D853A25AB453}"/>
-              </a:ext>
-            </a:extLst>
-          </p:cNvPr>
-          <p:cNvPicPr>
-            <a:picLocks noGrp="1" noChangeAspect="1"/>
-          </p:cNvPicPr>
-          <p:nvPr>
-            <p:ph type="pic" sz="quarter" idx="13"/>
-          </p:nvPr>
-        </p:nvPicPr>
-        <p:blipFill>
-          <a:blip r:embed="rId3">
-            <a:extLst>
-              <a:ext uri="{28A0092B-C50C-407E-A947-70E740481C1C}">
-                <a14:useLocalDpi xmlns:a14="http://schemas.microsoft.com/office/drawing/2010/main" val="0"/>
-              </a:ext>
-            </a:extLst>
-          </a:blip>
-          <a:srcRect/>
-          <a:stretch>
-            <a:fillRect/>
-          </a:stretch>
-        </p:blipFill>
-        <p:spPr/>
       </p:pic>
       <p:sp>
         <p:nvSpPr>
-          <p:cNvPr id="48" name="직사각형 47">
+          <p:cNvPr id="7" name="슬라이드 번호 개체 틀 6">
             <a:extLst>
               <a:ext uri="{FF2B5EF4-FFF2-40B4-BE49-F238E27FC236}">
-                <a16:creationId xmlns:a16="http://schemas.microsoft.com/office/drawing/2014/main" id="{3C64A91D-E535-4C24-A0E3-96A3810E3FDC}"/>
-              </a:ext>
-              <a:ext uri="{C183D7F6-B498-43B3-948B-1728B52AA6E4}">
-                <adec:decorative xmlns:adec="http://schemas.microsoft.com/office/drawing/2017/decorative" val="1"/>
-              </a:ext>
-            </a:extLst>
-          </p:cNvPr>
-          <p:cNvSpPr>
-            <a:spLocks noGrp="1" noRot="1" noChangeAspect="1" noMove="1" noResize="1" noEditPoints="1" noAdjustHandles="1" noChangeArrowheads="1" noChangeShapeType="1" noTextEdit="1"/>
-          </p:cNvSpPr>
-          <p:nvPr>
-            <p:extLst>
-              <p:ext uri="{386F3935-93C4-4BCD-93E2-E3B085C9AB24}">
-                <p16:designElem xmlns:p16="http://schemas.microsoft.com/office/powerpoint/2015/main" val="1"/>
-              </p:ext>
-            </p:extLst>
-          </p:nvPr>
-        </p:nvSpPr>
-        <p:spPr>
-          <a:xfrm>
-            <a:off x="0" y="5773729"/>
-            <a:ext cx="12192000" cy="1084271"/>
-          </a:xfrm>
-          <a:prstGeom prst="rect">
-            <a:avLst/>
-          </a:prstGeom>
-          <a:gradFill flip="none" rotWithShape="1">
-            <a:gsLst>
-              <a:gs pos="90000">
-                <a:schemeClr val="bg2">
-                  <a:alpha val="60000"/>
-                </a:schemeClr>
-              </a:gs>
-              <a:gs pos="28000">
-                <a:schemeClr val="bg2">
-                  <a:alpha val="0"/>
-                </a:schemeClr>
-              </a:gs>
-            </a:gsLst>
-            <a:lin ang="5400000" scaled="0"/>
-            <a:tileRect/>
-          </a:gradFill>
-          <a:ln>
-            <a:noFill/>
-          </a:ln>
-        </p:spPr>
-        <p:style>
-          <a:lnRef idx="2">
-            <a:schemeClr val="accent1">
-              <a:shade val="50000"/>
-            </a:schemeClr>
-          </a:lnRef>
-          <a:fillRef idx="1">
-            <a:schemeClr val="accent1"/>
-          </a:fillRef>
-          <a:effectRef idx="0">
-            <a:schemeClr val="accent1"/>
-          </a:effectRef>
-          <a:fontRef idx="minor">
-            <a:schemeClr val="lt1"/>
-          </a:fontRef>
-        </p:style>
-        <p:txBody>
-          <a:bodyPr rtlCol="0" anchor="ctr"/>
-          <a:lstStyle/>
-          <a:p>
-            <a:pPr algn="ctr" rtl="0"/>
-            <a:endParaRPr lang="ko-KR"/>
-          </a:p>
-        </p:txBody>
-      </p:sp>
-      <p:sp>
-        <p:nvSpPr>
-          <p:cNvPr id="50" name="직사각형 49">
-            <a:extLst>
-              <a:ext uri="{FF2B5EF4-FFF2-40B4-BE49-F238E27FC236}">
-                <a16:creationId xmlns:a16="http://schemas.microsoft.com/office/drawing/2014/main" id="{26FC4867-BA3E-4F8E-AB23-684F34DF3D31}"/>
-              </a:ext>
-              <a:ext uri="{C183D7F6-B498-43B3-948B-1728B52AA6E4}">
-                <adec:decorative xmlns:adec="http://schemas.microsoft.com/office/drawing/2017/decorative" val="1"/>
-              </a:ext>
-            </a:extLst>
-          </p:cNvPr>
-          <p:cNvSpPr>
-            <a:spLocks noGrp="1" noRot="1" noChangeAspect="1" noMove="1" noResize="1" noEditPoints="1" noAdjustHandles="1" noChangeArrowheads="1" noChangeShapeType="1" noTextEdit="1"/>
-          </p:cNvSpPr>
-          <p:nvPr>
-            <p:extLst>
-              <p:ext uri="{386F3935-93C4-4BCD-93E2-E3B085C9AB24}">
-                <p16:designElem xmlns:p16="http://schemas.microsoft.com/office/powerpoint/2015/main" val="1"/>
-              </p:ext>
-            </p:extLst>
-          </p:nvPr>
-        </p:nvSpPr>
-        <p:spPr>
-          <a:xfrm rot="10800000">
-            <a:off x="0" y="-3"/>
-            <a:ext cx="9000000" cy="6857998"/>
-          </a:xfrm>
-          <a:prstGeom prst="rect">
-            <a:avLst/>
-          </a:prstGeom>
-          <a:gradFill flip="none" rotWithShape="1">
-            <a:gsLst>
-              <a:gs pos="50000">
-                <a:schemeClr val="bg2">
-                  <a:alpha val="60000"/>
-                </a:schemeClr>
-              </a:gs>
-              <a:gs pos="0">
-                <a:schemeClr val="bg2">
-                  <a:alpha val="0"/>
-                </a:schemeClr>
-              </a:gs>
-            </a:gsLst>
-            <a:lin ang="0" scaled="0"/>
-            <a:tileRect/>
-          </a:gradFill>
-          <a:ln>
-            <a:noFill/>
-          </a:ln>
-        </p:spPr>
-        <p:style>
-          <a:lnRef idx="2">
-            <a:schemeClr val="accent1">
-              <a:shade val="50000"/>
-            </a:schemeClr>
-          </a:lnRef>
-          <a:fillRef idx="1">
-            <a:schemeClr val="accent1"/>
-          </a:fillRef>
-          <a:effectRef idx="0">
-            <a:schemeClr val="accent1"/>
-          </a:effectRef>
-          <a:fontRef idx="minor">
-            <a:schemeClr val="lt1"/>
-          </a:fontRef>
-        </p:style>
-        <p:txBody>
-          <a:bodyPr rtlCol="0" anchor="ctr"/>
-          <a:lstStyle/>
-          <a:p>
-            <a:pPr algn="ctr" rtl="0"/>
-            <a:endParaRPr lang="ko-KR"/>
-          </a:p>
-        </p:txBody>
-      </p:sp>
-      <p:sp>
-        <p:nvSpPr>
-          <p:cNvPr id="15" name="제목 14">
-            <a:extLst>
-              <a:ext uri="{FF2B5EF4-FFF2-40B4-BE49-F238E27FC236}">
-                <a16:creationId xmlns:a16="http://schemas.microsoft.com/office/drawing/2014/main" id="{40F1DF5B-353A-4270-8C10-6A1509441174}"/>
-              </a:ext>
-            </a:extLst>
-          </p:cNvPr>
-          <p:cNvSpPr>
-            <a:spLocks noGrp="1"/>
-          </p:cNvSpPr>
-          <p:nvPr>
-            <p:ph type="ctrTitle"/>
-          </p:nvPr>
-        </p:nvSpPr>
-        <p:spPr>
-          <a:xfrm>
-            <a:off x="550863" y="549275"/>
-            <a:ext cx="5437187" cy="2986234"/>
-          </a:xfrm>
-        </p:spPr>
-        <p:txBody>
-          <a:bodyPr vert="horz" wrap="square" lIns="0" tIns="0" rIns="0" bIns="0" rtlCol="0" anchor="b" anchorCtr="0">
-            <a:normAutofit/>
-          </a:bodyPr>
-          <a:lstStyle/>
-          <a:p>
-            <a:pPr rtl="0">
-              <a:lnSpc>
-                <a:spcPct val="100000"/>
-              </a:lnSpc>
-            </a:pPr>
-            <a:r>
-              <a:rPr lang="ko-KR" sz="6400" kern="1200">
-                <a:solidFill>
-                  <a:schemeClr val="tx1"/>
-                </a:solidFill>
-                <a:latin typeface="+mj-lt"/>
-                <a:ea typeface="+mj-ea"/>
-                <a:cs typeface="+mj-cs"/>
-              </a:rPr>
-              <a:t>주제 1</a:t>
-            </a:r>
-          </a:p>
-        </p:txBody>
-      </p:sp>
-      <p:sp>
-        <p:nvSpPr>
-          <p:cNvPr id="16" name="부제목 15">
-            <a:extLst>
-              <a:ext uri="{FF2B5EF4-FFF2-40B4-BE49-F238E27FC236}">
-                <a16:creationId xmlns:a16="http://schemas.microsoft.com/office/drawing/2014/main" id="{4BDCF583-1D5D-4235-97C2-39272B80A0B1}"/>
-              </a:ext>
-            </a:extLst>
-          </p:cNvPr>
-          <p:cNvSpPr>
-            <a:spLocks noGrp="1"/>
-          </p:cNvSpPr>
-          <p:nvPr>
-            <p:ph type="subTitle" idx="1"/>
-          </p:nvPr>
-        </p:nvSpPr>
-        <p:spPr>
-          <a:xfrm>
-            <a:off x="550863" y="3827610"/>
-            <a:ext cx="5437187" cy="2265216"/>
-          </a:xfrm>
-        </p:spPr>
-        <p:txBody>
-          <a:bodyPr vert="horz" wrap="square" lIns="0" tIns="0" rIns="0" bIns="0" rtlCol="0">
-            <a:normAutofit/>
-          </a:bodyPr>
-          <a:lstStyle/>
-          <a:p>
-            <a:pPr marL="0" indent="0" rtl="0">
-              <a:lnSpc>
-                <a:spcPct val="100000"/>
-              </a:lnSpc>
-              <a:buNone/>
-            </a:pPr>
-            <a:r>
-              <a:rPr lang="ko-KR" kern="1200">
-                <a:latin typeface="+mn-lt"/>
-                <a:ea typeface="+mn-ea"/>
-                <a:cs typeface="+mn-cs"/>
-              </a:rPr>
-              <a:t>부제목</a:t>
-            </a:r>
-          </a:p>
-        </p:txBody>
-      </p:sp>
-      <p:sp>
-        <p:nvSpPr>
-          <p:cNvPr id="2" name="날짜 개체 틀 1">
-            <a:extLst>
-              <a:ext uri="{FF2B5EF4-FFF2-40B4-BE49-F238E27FC236}">
-                <a16:creationId xmlns:a16="http://schemas.microsoft.com/office/drawing/2014/main" id="{2910D835-B454-4270-BB35-86A187307E6F}"/>
-              </a:ext>
-            </a:extLst>
-          </p:cNvPr>
-          <p:cNvSpPr>
-            <a:spLocks noGrp="1"/>
-          </p:cNvSpPr>
-          <p:nvPr>
-            <p:ph type="dt" sz="half" idx="10"/>
-          </p:nvPr>
-        </p:nvSpPr>
-        <p:spPr/>
-        <p:txBody>
-          <a:bodyPr rtlCol="0"/>
-          <a:lstStyle/>
-          <a:p>
-            <a:pPr rtl="0"/>
-            <a:r>
-              <a:rPr lang="ko-KR"/>
-              <a:t>20XX년 2월 2일 화요일</a:t>
-            </a:r>
-          </a:p>
-        </p:txBody>
-      </p:sp>
-      <p:sp>
-        <p:nvSpPr>
-          <p:cNvPr id="3" name="바닥글 개체 틀 2">
-            <a:extLst>
-              <a:ext uri="{FF2B5EF4-FFF2-40B4-BE49-F238E27FC236}">
-                <a16:creationId xmlns:a16="http://schemas.microsoft.com/office/drawing/2014/main" id="{7F7F653B-90B5-4F47-A33F-93DCB2EF68C2}"/>
-              </a:ext>
-            </a:extLst>
-          </p:cNvPr>
-          <p:cNvSpPr>
-            <a:spLocks noGrp="1"/>
-          </p:cNvSpPr>
-          <p:nvPr>
-            <p:ph type="ftr" sz="quarter" idx="11"/>
-          </p:nvPr>
-        </p:nvSpPr>
-        <p:spPr/>
-        <p:txBody>
-          <a:bodyPr rtlCol="0"/>
-          <a:lstStyle/>
-          <a:p>
-            <a:pPr rtl="0"/>
-            <a:r>
-              <a:rPr lang="ko-KR"/>
-              <a:t>샘플 바닥글 텍스트</a:t>
-            </a:r>
-          </a:p>
-        </p:txBody>
-      </p:sp>
-      <p:sp>
-        <p:nvSpPr>
-          <p:cNvPr id="4" name="슬라이드 번호 개체 틀 3">
-            <a:extLst>
-              <a:ext uri="{FF2B5EF4-FFF2-40B4-BE49-F238E27FC236}">
-                <a16:creationId xmlns:a16="http://schemas.microsoft.com/office/drawing/2014/main" id="{E1E7D98D-6710-41D2-B258-E1A1059D29F8}"/>
+                <a16:creationId xmlns:a16="http://schemas.microsoft.com/office/drawing/2014/main" id="{16B03654-3710-2C97-A57E-0DA5E8581DFC}"/>
               </a:ext>
             </a:extLst>
           </p:cNvPr>
@@ -23068,14 +22619,30 @@
             <p:ph type="sldNum" sz="quarter" idx="12"/>
           </p:nvPr>
         </p:nvSpPr>
-        <p:spPr/>
+        <p:spPr>
+          <a:xfrm>
+            <a:off x="9948863" y="6507212"/>
+            <a:ext cx="1692274" cy="153888"/>
+          </a:xfrm>
+        </p:spPr>
         <p:txBody>
-          <a:bodyPr rtlCol="0"/>
+          <a:bodyPr wrap="square" anchor="ctr">
+            <a:normAutofit/>
+          </a:bodyPr>
           <a:lstStyle/>
           <a:p>
-            <a:pPr rtl="0"/>
+            <a:pPr rtl="0">
+              <a:spcAft>
+                <a:spcPts val="600"/>
+              </a:spcAft>
+            </a:pPr>
             <a:fld id="{DBA1B0FB-D917-4C8C-928F-313BD683BF39}" type="slidenum">
-              <a:rPr lang="ko-KR" smtClean="0"/>
+              <a:rPr lang="en-US" altLang="ko-KR" smtClean="0"/>
+              <a:pPr rtl="0">
+                <a:spcAft>
+                  <a:spcPts val="600"/>
+                </a:spcAft>
+              </a:pPr>
               <a:t>4</a:t>
             </a:fld>
             <a:endParaRPr lang="ko-KR"/>
@@ -23085,7 +22652,7 @@
     </p:spTree>
     <p:extLst>
       <p:ext uri="{BB962C8B-B14F-4D97-AF65-F5344CB8AC3E}">
-        <p14:creationId xmlns:p14="http://schemas.microsoft.com/office/powerpoint/2010/main" val="560021826"/>
+        <p14:creationId xmlns:p14="http://schemas.microsoft.com/office/powerpoint/2010/main" val="2566331708"/>
       </p:ext>
     </p:extLst>
   </p:cSld>
@@ -23114,6 +22681,326 @@
       </p:grpSpPr>
       <p:sp>
         <p:nvSpPr>
+          <p:cNvPr id="15" name="제목 14">
+            <a:extLst>
+              <a:ext uri="{FF2B5EF4-FFF2-40B4-BE49-F238E27FC236}">
+                <a16:creationId xmlns:a16="http://schemas.microsoft.com/office/drawing/2014/main" id="{40F1DF5B-353A-4270-8C10-6A1509441174}"/>
+              </a:ext>
+            </a:extLst>
+          </p:cNvPr>
+          <p:cNvSpPr>
+            <a:spLocks noGrp="1"/>
+          </p:cNvSpPr>
+          <p:nvPr>
+            <p:ph type="ctrTitle"/>
+          </p:nvPr>
+        </p:nvSpPr>
+        <p:spPr>
+          <a:xfrm>
+            <a:off x="7999414" y="368301"/>
+            <a:ext cx="3565524" cy="1346200"/>
+          </a:xfrm>
+        </p:spPr>
+        <p:txBody>
+          <a:bodyPr vert="horz" wrap="square" lIns="0" tIns="0" rIns="0" bIns="0" rtlCol="0" anchor="b" anchorCtr="0">
+            <a:normAutofit/>
+          </a:bodyPr>
+          <a:lstStyle/>
+          <a:p>
+            <a:pPr algn="ctr" rtl="0"/>
+            <a:r>
+              <a:rPr lang="en-US" altLang="ko-KR" kern="1200" dirty="0"/>
+              <a:t>Environment</a:t>
+            </a:r>
+            <a:br>
+              <a:rPr lang="en-US" altLang="ko-KR" kern="1200" dirty="0"/>
+            </a:br>
+            <a:r>
+              <a:rPr lang="en-US" altLang="ko-KR" kern="1200" dirty="0"/>
+              <a:t>(Verilog)</a:t>
+            </a:r>
+            <a:endParaRPr lang="ko-KR" kern="1200" dirty="0"/>
+          </a:p>
+        </p:txBody>
+      </p:sp>
+      <p:pic>
+        <p:nvPicPr>
+          <p:cNvPr id="6" name="그림 5">
+            <a:extLst>
+              <a:ext uri="{FF2B5EF4-FFF2-40B4-BE49-F238E27FC236}">
+                <a16:creationId xmlns:a16="http://schemas.microsoft.com/office/drawing/2014/main" id="{5CACBDEB-5AB1-9E5F-B343-797EE29A3E73}"/>
+              </a:ext>
+            </a:extLst>
+          </p:cNvPr>
+          <p:cNvPicPr>
+            <a:picLocks noChangeAspect="1"/>
+          </p:cNvPicPr>
+          <p:nvPr/>
+        </p:nvPicPr>
+        <p:blipFill>
+          <a:blip r:embed="rId3"/>
+          <a:stretch>
+            <a:fillRect/>
+          </a:stretch>
+        </p:blipFill>
+        <p:spPr>
+          <a:xfrm>
+            <a:off x="0" y="1109453"/>
+            <a:ext cx="7452360" cy="4639093"/>
+          </a:xfrm>
+          <a:prstGeom prst="rect">
+            <a:avLst/>
+          </a:prstGeom>
+          <a:noFill/>
+        </p:spPr>
+      </p:pic>
+      <p:sp>
+        <p:nvSpPr>
+          <p:cNvPr id="16" name="부제목 15">
+            <a:extLst>
+              <a:ext uri="{FF2B5EF4-FFF2-40B4-BE49-F238E27FC236}">
+                <a16:creationId xmlns:a16="http://schemas.microsoft.com/office/drawing/2014/main" id="{4BDCF583-1D5D-4235-97C2-39272B80A0B1}"/>
+              </a:ext>
+            </a:extLst>
+          </p:cNvPr>
+          <p:cNvSpPr>
+            <a:spLocks noGrp="1"/>
+          </p:cNvSpPr>
+          <p:nvPr>
+            <p:ph type="body" sz="quarter" idx="14"/>
+          </p:nvPr>
+        </p:nvSpPr>
+        <p:spPr>
+          <a:xfrm>
+            <a:off x="7999413" y="2019300"/>
+            <a:ext cx="3565524" cy="4470400"/>
+          </a:xfrm>
+        </p:spPr>
+        <p:txBody>
+          <a:bodyPr vert="horz" wrap="square" lIns="0" tIns="0" rIns="0" bIns="0" rtlCol="0">
+            <a:normAutofit/>
+          </a:bodyPr>
+          <a:lstStyle/>
+          <a:p>
+            <a:pPr marL="0" indent="0" rtl="0">
+              <a:buNone/>
+            </a:pPr>
+            <a:r>
+              <a:rPr lang="en-US" altLang="ko-KR" kern="1200" dirty="0" err="1"/>
+              <a:t>ButtonSwitch</a:t>
+            </a:r>
+            <a:r>
+              <a:rPr lang="en-US" altLang="ko-KR" kern="1200" dirty="0"/>
+              <a:t>(123456789</a:t>
+            </a:r>
+            <a:r>
+              <a:rPr lang="ko-KR" altLang="en-US" kern="1200" dirty="0"/>
+              <a:t>*</a:t>
+            </a:r>
+            <a:r>
+              <a:rPr lang="en-US" altLang="ko-KR" kern="1200" dirty="0"/>
+              <a:t>0#)</a:t>
+            </a:r>
+          </a:p>
+          <a:p>
+            <a:pPr marL="0" indent="0" rtl="0">
+              <a:buNone/>
+            </a:pPr>
+            <a:r>
+              <a:rPr lang="en-US" altLang="ko-KR" kern="1200" dirty="0" err="1"/>
+              <a:t>DipSwitch</a:t>
+            </a:r>
+            <a:r>
+              <a:rPr lang="en-US" altLang="ko-KR" kern="1200" dirty="0"/>
+              <a:t>(12345678)</a:t>
+            </a:r>
+          </a:p>
+          <a:p>
+            <a:pPr marL="0" indent="0" rtl="0">
+              <a:buNone/>
+            </a:pPr>
+            <a:r>
+              <a:rPr lang="en-US" altLang="ko-KR" kern="1200" dirty="0"/>
+              <a:t>LED_RGB(12bit)</a:t>
+            </a:r>
+          </a:p>
+          <a:p>
+            <a:pPr marL="0" indent="0" rtl="0">
+              <a:buNone/>
+            </a:pPr>
+            <a:r>
+              <a:rPr lang="en-US" altLang="ko-KR" kern="1200" dirty="0"/>
+              <a:t>LED_SEG(</a:t>
+            </a:r>
+            <a:r>
+              <a:rPr lang="en-US" altLang="ko-KR" kern="1200" dirty="0" err="1"/>
+              <a:t>abcdefg,dp</a:t>
+            </a:r>
+            <a:r>
+              <a:rPr lang="en-US" altLang="ko-KR" kern="1200" dirty="0"/>
+              <a:t>)</a:t>
+            </a:r>
+          </a:p>
+          <a:p>
+            <a:pPr marL="0" indent="0" rtl="0">
+              <a:buNone/>
+            </a:pPr>
+            <a:r>
+              <a:rPr lang="en-US" altLang="ko-KR" kern="1200" dirty="0"/>
+              <a:t>LED_A_SEG(</a:t>
+            </a:r>
+            <a:r>
+              <a:rPr lang="en-US" altLang="ko-KR" kern="1200" dirty="0" err="1"/>
+              <a:t>abcdefg,dp</a:t>
+            </a:r>
+            <a:r>
+              <a:rPr lang="en-US" altLang="ko-KR" kern="1200" dirty="0"/>
+              <a:t>)</a:t>
+            </a:r>
+          </a:p>
+          <a:p>
+            <a:pPr marL="0" indent="0" rtl="0">
+              <a:buNone/>
+            </a:pPr>
+            <a:r>
+              <a:rPr lang="en-US" altLang="ko-KR" kern="1200" dirty="0"/>
+              <a:t>LED_A_COM(12345678)</a:t>
+            </a:r>
+          </a:p>
+          <a:p>
+            <a:pPr marL="0" indent="0" rtl="0">
+              <a:buNone/>
+            </a:pPr>
+            <a:r>
+              <a:rPr lang="en-US" altLang="ko-KR" kern="1200" dirty="0"/>
+              <a:t>LED(12345678)</a:t>
+            </a:r>
+          </a:p>
+          <a:p>
+            <a:pPr marL="0" indent="0" rtl="0">
+              <a:buNone/>
+            </a:pPr>
+            <a:r>
+              <a:rPr lang="en-US" altLang="ko-KR" kern="1200" dirty="0"/>
+              <a:t>PIEZO, CLK</a:t>
+            </a:r>
+          </a:p>
+        </p:txBody>
+      </p:sp>
+      <p:sp>
+        <p:nvSpPr>
+          <p:cNvPr id="4" name="슬라이드 번호 개체 틀 3" hidden="1">
+            <a:extLst>
+              <a:ext uri="{FF2B5EF4-FFF2-40B4-BE49-F238E27FC236}">
+                <a16:creationId xmlns:a16="http://schemas.microsoft.com/office/drawing/2014/main" id="{E1E7D98D-6710-41D2-B258-E1A1059D29F8}"/>
+              </a:ext>
+            </a:extLst>
+          </p:cNvPr>
+          <p:cNvSpPr>
+            <a:spLocks noGrp="1"/>
+          </p:cNvSpPr>
+          <p:nvPr>
+            <p:ph type="sldNum" sz="quarter" idx="4294967295"/>
+          </p:nvPr>
+        </p:nvSpPr>
+        <p:spPr>
+          <a:xfrm>
+            <a:off x="9948863" y="6507212"/>
+            <a:ext cx="1692274" cy="153888"/>
+          </a:xfrm>
+        </p:spPr>
+        <p:txBody>
+          <a:bodyPr rtlCol="0"/>
+          <a:lstStyle/>
+          <a:p>
+            <a:pPr rtl="0">
+              <a:spcAft>
+                <a:spcPts val="600"/>
+              </a:spcAft>
+            </a:pPr>
+            <a:fld id="{DBA1B0FB-D917-4C8C-928F-313BD683BF39}" type="slidenum">
+              <a:rPr lang="en-US" altLang="ko-KR" smtClean="0"/>
+              <a:pPr rtl="0">
+                <a:spcAft>
+                  <a:spcPts val="600"/>
+                </a:spcAft>
+              </a:pPr>
+              <a:t>5</a:t>
+            </a:fld>
+            <a:endParaRPr lang="ko-KR"/>
+          </a:p>
+        </p:txBody>
+      </p:sp>
+      <p:sp>
+        <p:nvSpPr>
+          <p:cNvPr id="11" name="TextBox 10">
+            <a:extLst>
+              <a:ext uri="{FF2B5EF4-FFF2-40B4-BE49-F238E27FC236}">
+                <a16:creationId xmlns:a16="http://schemas.microsoft.com/office/drawing/2014/main" id="{14544F0A-53B4-E6FE-BC78-A8E7E260E242}"/>
+              </a:ext>
+            </a:extLst>
+          </p:cNvPr>
+          <p:cNvSpPr txBox="1"/>
+          <p:nvPr/>
+        </p:nvSpPr>
+        <p:spPr>
+          <a:xfrm>
+            <a:off x="627063" y="6120368"/>
+            <a:ext cx="6094268" cy="461665"/>
+          </a:xfrm>
+          <a:prstGeom prst="rect">
+            <a:avLst/>
+          </a:prstGeom>
+          <a:noFill/>
+        </p:spPr>
+        <p:txBody>
+          <a:bodyPr wrap="square">
+            <a:spAutoFit/>
+          </a:bodyPr>
+          <a:lstStyle/>
+          <a:p>
+            <a:pPr marL="0" indent="0" rtl="0">
+              <a:buNone/>
+            </a:pPr>
+            <a:r>
+              <a:rPr lang="en-US" altLang="ko-KR" sz="2400" kern="1200" dirty="0"/>
+              <a:t>hbe-combo2 board</a:t>
+            </a:r>
+          </a:p>
+        </p:txBody>
+      </p:sp>
+    </p:spTree>
+    <p:extLst>
+      <p:ext uri="{BB962C8B-B14F-4D97-AF65-F5344CB8AC3E}">
+        <p14:creationId xmlns:p14="http://schemas.microsoft.com/office/powerpoint/2010/main" val="560021826"/>
+      </p:ext>
+    </p:extLst>
+  </p:cSld>
+  <p:clrMapOvr>
+    <a:masterClrMapping/>
+  </p:clrMapOvr>
+</p:sld>
+</file>
+
+<file path=ppt/slides/slide6.xml><?xml version="1.0" encoding="utf-8"?>
+<p:sld xmlns:a="http://schemas.openxmlformats.org/drawingml/2006/main" xmlns:r="http://schemas.openxmlformats.org/officeDocument/2006/relationships" xmlns:p="http://schemas.openxmlformats.org/presentationml/2006/main">
+  <p:cSld>
+    <p:spTree>
+      <p:nvGrpSpPr>
+        <p:cNvPr id="1" name=""/>
+        <p:cNvGrpSpPr/>
+        <p:nvPr/>
+      </p:nvGrpSpPr>
+      <p:grpSpPr>
+        <a:xfrm>
+          <a:off x="0" y="0"/>
+          <a:ext cx="0" cy="0"/>
+          <a:chOff x="0" y="0"/>
+          <a:chExt cx="0" cy="0"/>
+        </a:xfrm>
+      </p:grpSpPr>
+      <p:sp>
+        <p:nvSpPr>
           <p:cNvPr id="7" name="제목 6">
             <a:extLst>
               <a:ext uri="{FF2B5EF4-FFF2-40B4-BE49-F238E27FC236}">
@@ -23131,7 +23018,7 @@
         <p:spPr>
           <a:xfrm>
             <a:off x="550862" y="549275"/>
-            <a:ext cx="11091600" cy="1332000"/>
+            <a:ext cx="11091600" cy="749589"/>
           </a:xfrm>
         </p:spPr>
         <p:txBody>
@@ -23140,9 +23027,10 @@
           <a:p>
             <a:pPr rtl="0"/>
             <a:r>
-              <a:rPr lang="ko-KR"/>
-              <a:t>차트</a:t>
+              <a:rPr lang="en-US" altLang="ko-KR"/>
+              <a:t>Status Diagram</a:t>
             </a:r>
+            <a:endParaRPr lang="ko-KR" dirty="0"/>
           </a:p>
         </p:txBody>
       </p:sp>
@@ -23274,9 +23162,9 @@
           <a:p>
             <a:pPr rtl="0"/>
             <a:fld id="{DBA1B0FB-D917-4C8C-928F-313BD683BF39}" type="slidenum">
-              <a:rPr lang="ko-KR" smtClean="0"/>
-              <a:pPr/>
-              <a:t>5</a:t>
+              <a:rPr lang="en-US" altLang="ko-KR" smtClean="0"/>
+              <a:pPr rtl="0"/>
+              <a:t>6</a:t>
             </a:fld>
             <a:endParaRPr lang="ko-KR"/>
           </a:p>
@@ -23295,7 +23183,7 @@
 </p:sld>
 </file>
 
-<file path=ppt/slides/slide6.xml><?xml version="1.0" encoding="utf-8"?>
+<file path=ppt/slides/slide7.xml><?xml version="1.0" encoding="utf-8"?>
 <p:sld xmlns:a="http://schemas.openxmlformats.org/drawingml/2006/main" xmlns:r="http://schemas.openxmlformats.org/officeDocument/2006/relationships" xmlns:p="http://schemas.openxmlformats.org/presentationml/2006/main">
   <p:cSld>
     <p:spTree>
@@ -24936,9 +24824,9 @@
           <a:p>
             <a:pPr rtl="0"/>
             <a:fld id="{DBA1B0FB-D917-4C8C-928F-313BD683BF39}" type="slidenum">
-              <a:rPr lang="ko-KR" smtClean="0"/>
-              <a:pPr/>
-              <a:t>6</a:t>
+              <a:rPr lang="en-US" altLang="ko-KR" smtClean="0"/>
+              <a:pPr rtl="0"/>
+              <a:t>7</a:t>
             </a:fld>
             <a:endParaRPr lang="ko-KR"/>
           </a:p>
@@ -24948,249 +24836,6 @@
     <p:extLst>
       <p:ext uri="{BB962C8B-B14F-4D97-AF65-F5344CB8AC3E}">
         <p14:creationId xmlns:p14="http://schemas.microsoft.com/office/powerpoint/2010/main" val="2496947791"/>
-      </p:ext>
-    </p:extLst>
-  </p:cSld>
-  <p:clrMapOvr>
-    <a:masterClrMapping/>
-  </p:clrMapOvr>
-</p:sld>
-</file>
-
-<file path=ppt/slides/slide7.xml><?xml version="1.0" encoding="utf-8"?>
-<p:sld xmlns:a="http://schemas.openxmlformats.org/drawingml/2006/main" xmlns:r="http://schemas.openxmlformats.org/officeDocument/2006/relationships" xmlns:p="http://schemas.openxmlformats.org/presentationml/2006/main">
-  <p:cSld>
-    <p:spTree>
-      <p:nvGrpSpPr>
-        <p:cNvPr id="1" name=""/>
-        <p:cNvGrpSpPr/>
-        <p:nvPr/>
-      </p:nvGrpSpPr>
-      <p:grpSpPr>
-        <a:xfrm>
-          <a:off x="0" y="0"/>
-          <a:ext cx="0" cy="0"/>
-          <a:chOff x="0" y="0"/>
-          <a:chExt cx="0" cy="0"/>
-        </a:xfrm>
-      </p:grpSpPr>
-      <p:sp>
-        <p:nvSpPr>
-          <p:cNvPr id="14" name="제목 13">
-            <a:extLst>
-              <a:ext uri="{FF2B5EF4-FFF2-40B4-BE49-F238E27FC236}">
-                <a16:creationId xmlns:a16="http://schemas.microsoft.com/office/drawing/2014/main" id="{C15EE852-24F1-4643-8082-AB45CFF2BA10}"/>
-              </a:ext>
-            </a:extLst>
-          </p:cNvPr>
-          <p:cNvSpPr>
-            <a:spLocks noGrp="1"/>
-          </p:cNvSpPr>
-          <p:nvPr>
-            <p:ph type="title"/>
-          </p:nvPr>
-        </p:nvSpPr>
-        <p:spPr>
-          <a:xfrm>
-            <a:off x="550864" y="549275"/>
-            <a:ext cx="3566160" cy="3384550"/>
-          </a:xfrm>
-        </p:spPr>
-        <p:txBody>
-          <a:bodyPr rtlCol="0">
-            <a:noAutofit/>
-          </a:bodyPr>
-          <a:lstStyle/>
-          <a:p>
-            <a:pPr rtl="0"/>
-            <a:r>
-              <a:rPr lang="ko-KR" sz="3600" dirty="0"/>
-              <a:t>시작하는 방법은 이야기를 종료하고 행동을 시작하는 것입니다.</a:t>
-            </a:r>
-          </a:p>
-        </p:txBody>
-      </p:sp>
-      <p:sp>
-        <p:nvSpPr>
-          <p:cNvPr id="15" name="내용 개체 틀 14">
-            <a:extLst>
-              <a:ext uri="{FF2B5EF4-FFF2-40B4-BE49-F238E27FC236}">
-                <a16:creationId xmlns:a16="http://schemas.microsoft.com/office/drawing/2014/main" id="{4139825C-53C7-44F4-A064-9795CECD081B}"/>
-              </a:ext>
-            </a:extLst>
-          </p:cNvPr>
-          <p:cNvSpPr>
-            <a:spLocks noGrp="1"/>
-          </p:cNvSpPr>
-          <p:nvPr>
-            <p:ph sz="quarter" idx="15"/>
-          </p:nvPr>
-        </p:nvSpPr>
-        <p:spPr>
-          <a:xfrm>
-            <a:off x="550863" y="4097338"/>
-            <a:ext cx="3565524" cy="2351087"/>
-          </a:xfrm>
-        </p:spPr>
-        <p:txBody>
-          <a:bodyPr rtlCol="0"/>
-          <a:lstStyle/>
-          <a:p>
-            <a:pPr rtl="0"/>
-            <a:r>
-              <a:rPr lang="ko-KR" dirty="0"/>
-              <a:t>Walt Disney</a:t>
-            </a:r>
-          </a:p>
-          <a:p>
-            <a:pPr rtl="0"/>
-            <a:endParaRPr lang="ko-KR" dirty="0"/>
-          </a:p>
-        </p:txBody>
-      </p:sp>
-      <p:pic>
-        <p:nvPicPr>
-          <p:cNvPr id="18" name="그림 개체 틀 17" descr="화이트보드에 그림을 그리는 사람">
-            <a:extLst>
-              <a:ext uri="{FF2B5EF4-FFF2-40B4-BE49-F238E27FC236}">
-                <a16:creationId xmlns:a16="http://schemas.microsoft.com/office/drawing/2014/main" id="{301557C2-9072-409B-88EC-E8577CEFCAFB}"/>
-              </a:ext>
-            </a:extLst>
-          </p:cNvPr>
-          <p:cNvPicPr>
-            <a:picLocks noGrp="1" noChangeAspect="1"/>
-          </p:cNvPicPr>
-          <p:nvPr>
-            <p:ph type="pic" sz="quarter" idx="13"/>
-          </p:nvPr>
-        </p:nvPicPr>
-        <p:blipFill rotWithShape="1">
-          <a:blip r:embed="rId2" cstate="screen">
-            <a:extLst>
-              <a:ext uri="{28A0092B-C50C-407E-A947-70E740481C1C}">
-                <a14:useLocalDpi xmlns:a14="http://schemas.microsoft.com/office/drawing/2010/main" val="0"/>
-              </a:ext>
-            </a:extLst>
-          </a:blip>
-          <a:srcRect/>
-          <a:stretch/>
-        </p:blipFill>
-        <p:spPr>
-          <a:xfrm>
-            <a:off x="5535809" y="656633"/>
-            <a:ext cx="5132388" cy="5132388"/>
-          </a:xfrm>
-        </p:spPr>
-      </p:pic>
-      <p:sp>
-        <p:nvSpPr>
-          <p:cNvPr id="19" name="날짜 개체 틀 18">
-            <a:extLst>
-              <a:ext uri="{FF2B5EF4-FFF2-40B4-BE49-F238E27FC236}">
-                <a16:creationId xmlns:a16="http://schemas.microsoft.com/office/drawing/2014/main" id="{386DB667-0553-4FB8-B0E0-776539934AFF}"/>
-              </a:ext>
-            </a:extLst>
-          </p:cNvPr>
-          <p:cNvSpPr>
-            <a:spLocks noGrp="1"/>
-          </p:cNvSpPr>
-          <p:nvPr>
-            <p:ph type="dt" sz="half" idx="10"/>
-          </p:nvPr>
-        </p:nvSpPr>
-        <p:spPr>
-          <a:xfrm>
-            <a:off x="550863" y="6507212"/>
-            <a:ext cx="2628900" cy="153888"/>
-          </a:xfrm>
-        </p:spPr>
-        <p:txBody>
-          <a:bodyPr rtlCol="0"/>
-          <a:lstStyle/>
-          <a:p>
-            <a:pPr rtl="0"/>
-            <a:r>
-              <a:rPr lang="ko-KR"/>
-              <a:t>20XX년 2월 2일 화요일</a:t>
-            </a:r>
-            <a:endParaRPr lang="ko-KR" dirty="0"/>
-          </a:p>
-        </p:txBody>
-      </p:sp>
-      <p:sp>
-        <p:nvSpPr>
-          <p:cNvPr id="20" name="바닥글 개체 틀 19">
-            <a:extLst>
-              <a:ext uri="{FF2B5EF4-FFF2-40B4-BE49-F238E27FC236}">
-                <a16:creationId xmlns:a16="http://schemas.microsoft.com/office/drawing/2014/main" id="{C77C6228-C5A8-44DC-ABD7-A22A4475D3DF}"/>
-              </a:ext>
-            </a:extLst>
-          </p:cNvPr>
-          <p:cNvSpPr>
-            <a:spLocks noGrp="1"/>
-          </p:cNvSpPr>
-          <p:nvPr>
-            <p:ph type="ftr" sz="quarter" idx="11"/>
-          </p:nvPr>
-        </p:nvSpPr>
-        <p:spPr>
-          <a:xfrm>
-            <a:off x="3359150" y="6507212"/>
-            <a:ext cx="6379210" cy="153888"/>
-          </a:xfrm>
-        </p:spPr>
-        <p:txBody>
-          <a:bodyPr rtlCol="0"/>
-          <a:lstStyle/>
-          <a:p>
-            <a:pPr rtl="0"/>
-            <a:r>
-              <a:rPr lang="ko-KR"/>
-              <a:t>샘플 바닥글 텍스트</a:t>
-            </a:r>
-          </a:p>
-        </p:txBody>
-      </p:sp>
-      <p:sp>
-        <p:nvSpPr>
-          <p:cNvPr id="21" name="슬라이드 번호 개체 틀 20">
-            <a:extLst>
-              <a:ext uri="{FF2B5EF4-FFF2-40B4-BE49-F238E27FC236}">
-                <a16:creationId xmlns:a16="http://schemas.microsoft.com/office/drawing/2014/main" id="{1C563B34-DD53-4FB1-B8C2-8914E01C6365}"/>
-              </a:ext>
-            </a:extLst>
-          </p:cNvPr>
-          <p:cNvSpPr>
-            <a:spLocks noGrp="1"/>
-          </p:cNvSpPr>
-          <p:nvPr>
-            <p:ph type="sldNum" sz="quarter" idx="12"/>
-          </p:nvPr>
-        </p:nvSpPr>
-        <p:spPr>
-          <a:xfrm>
-            <a:off x="9948863" y="6507212"/>
-            <a:ext cx="1692274" cy="153888"/>
-          </a:xfrm>
-        </p:spPr>
-        <p:txBody>
-          <a:bodyPr rtlCol="0"/>
-          <a:lstStyle/>
-          <a:p>
-            <a:pPr rtl="0"/>
-            <a:fld id="{DBA1B0FB-D917-4C8C-928F-313BD683BF39}" type="slidenum">
-              <a:rPr lang="ko-KR" smtClean="0"/>
-              <a:pPr/>
-              <a:t>7</a:t>
-            </a:fld>
-            <a:endParaRPr lang="ko-KR"/>
-          </a:p>
-        </p:txBody>
-      </p:sp>
-    </p:spTree>
-    <p:extLst>
-      <p:ext uri="{BB962C8B-B14F-4D97-AF65-F5344CB8AC3E}">
-        <p14:creationId xmlns:p14="http://schemas.microsoft.com/office/powerpoint/2010/main" val="395518310"/>
       </p:ext>
     </p:extLst>
   </p:cSld>
@@ -25219,10 +24864,10 @@
       </p:grpSpPr>
       <p:sp>
         <p:nvSpPr>
-          <p:cNvPr id="6" name="제목 5">
+          <p:cNvPr id="14" name="제목 13">
             <a:extLst>
               <a:ext uri="{FF2B5EF4-FFF2-40B4-BE49-F238E27FC236}">
-                <a16:creationId xmlns:a16="http://schemas.microsoft.com/office/drawing/2014/main" id="{ED2A30C0-1BC4-4764-9C0F-5D811CAB8312}"/>
+                <a16:creationId xmlns:a16="http://schemas.microsoft.com/office/drawing/2014/main" id="{C15EE852-24F1-4643-8082-AB45CFF2BA10}"/>
               </a:ext>
             </a:extLst>
           </p:cNvPr>
@@ -25230,13 +24875,49 @@
             <a:spLocks noGrp="1"/>
           </p:cNvSpPr>
           <p:nvPr>
-            <p:ph type="ctrTitle"/>
+            <p:ph type="title"/>
           </p:nvPr>
         </p:nvSpPr>
         <p:spPr>
           <a:xfrm>
-            <a:off x="548640" y="548640"/>
-            <a:ext cx="8281987" cy="1253041"/>
+            <a:off x="550864" y="549275"/>
+            <a:ext cx="3566160" cy="3384550"/>
+          </a:xfrm>
+        </p:spPr>
+        <p:txBody>
+          <a:bodyPr rtlCol="0">
+            <a:noAutofit/>
+          </a:bodyPr>
+          <a:lstStyle/>
+          <a:p>
+            <a:pPr rtl="0"/>
+            <a:r>
+              <a:rPr lang="ko-KR" sz="3600" dirty="0"/>
+              <a:t>시작하는 방법은 이야기를 종료하고 행동을 시작하는 것입니다.</a:t>
+            </a:r>
+          </a:p>
+        </p:txBody>
+      </p:sp>
+      <p:sp>
+        <p:nvSpPr>
+          <p:cNvPr id="15" name="내용 개체 틀 14">
+            <a:extLst>
+              <a:ext uri="{FF2B5EF4-FFF2-40B4-BE49-F238E27FC236}">
+                <a16:creationId xmlns:a16="http://schemas.microsoft.com/office/drawing/2014/main" id="{4139825C-53C7-44F4-A064-9795CECD081B}"/>
+              </a:ext>
+            </a:extLst>
+          </p:cNvPr>
+          <p:cNvSpPr>
+            <a:spLocks noGrp="1"/>
+          </p:cNvSpPr>
+          <p:nvPr>
+            <p:ph sz="quarter" idx="15"/>
+          </p:nvPr>
+        </p:nvSpPr>
+        <p:spPr>
+          <a:xfrm>
+            <a:off x="550863" y="4097338"/>
+            <a:ext cx="3565524" cy="2351087"/>
           </a:xfrm>
         </p:spPr>
         <p:txBody>
@@ -25245,18 +24926,22 @@
           <a:p>
             <a:pPr rtl="0"/>
             <a:r>
-              <a:rPr lang="ko-KR"/>
-              <a:t>팀</a:t>
+              <a:rPr lang="ko-KR" dirty="0"/>
+              <a:t>Walt Disney</a:t>
             </a:r>
+          </a:p>
+          <a:p>
+            <a:pPr rtl="0"/>
+            <a:endParaRPr lang="ko-KR" dirty="0"/>
           </a:p>
         </p:txBody>
       </p:sp>
       <p:pic>
         <p:nvPicPr>
-          <p:cNvPr id="17" name="그림 개체 틀 16" descr="사무실에서 웃고 있는 남성">
+          <p:cNvPr id="18" name="그림 개체 틀 17" descr="화이트보드에 그림을 그리는 사람">
             <a:extLst>
               <a:ext uri="{FF2B5EF4-FFF2-40B4-BE49-F238E27FC236}">
-                <a16:creationId xmlns:a16="http://schemas.microsoft.com/office/drawing/2014/main" id="{05ED5B1E-974F-476C-A3C9-572D3602E95E}"/>
+                <a16:creationId xmlns:a16="http://schemas.microsoft.com/office/drawing/2014/main" id="{301557C2-9072-409B-88EC-E8577CEFCAFB}"/>
               </a:ext>
             </a:extLst>
           </p:cNvPr>
@@ -25268,7 +24953,7 @@
           </p:nvPr>
         </p:nvPicPr>
         <p:blipFill rotWithShape="1">
-          <a:blip r:embed="rId3" cstate="screen">
+          <a:blip r:embed="rId2" cstate="screen">
             <a:extLst>
               <a:ext uri="{28A0092B-C50C-407E-A947-70E740481C1C}">
                 <a14:useLocalDpi xmlns:a14="http://schemas.microsoft.com/office/drawing/2010/main" val="0"/>
@@ -25280,391 +24965,17 @@
         </p:blipFill>
         <p:spPr>
           <a:xfrm>
-            <a:off x="1078992" y="1990724"/>
-            <a:ext cx="1691640" cy="1435608"/>
-          </a:xfrm>
-        </p:spPr>
-      </p:pic>
-      <p:pic>
-        <p:nvPicPr>
-          <p:cNvPr id="36" name="그림 개체 틀 35" descr="사무실에서 웃고 있는 여성">
-            <a:extLst>
-              <a:ext uri="{FF2B5EF4-FFF2-40B4-BE49-F238E27FC236}">
-                <a16:creationId xmlns:a16="http://schemas.microsoft.com/office/drawing/2014/main" id="{F3CCCCDF-EA66-4F5E-98F3-A05239CBBAC4}"/>
-              </a:ext>
-            </a:extLst>
-          </p:cNvPr>
-          <p:cNvPicPr>
-            <a:picLocks noGrp="1" noChangeAspect="1"/>
-          </p:cNvPicPr>
-          <p:nvPr>
-            <p:ph type="pic" sz="quarter" idx="14"/>
-          </p:nvPr>
-        </p:nvPicPr>
-        <p:blipFill rotWithShape="1">
-          <a:blip r:embed="rId4" cstate="screen">
-            <a:extLst>
-              <a:ext uri="{28A0092B-C50C-407E-A947-70E740481C1C}">
-                <a14:useLocalDpi xmlns:a14="http://schemas.microsoft.com/office/drawing/2010/main" val="0"/>
-              </a:ext>
-            </a:extLst>
-          </a:blip>
-          <a:srcRect/>
-          <a:stretch/>
-        </p:blipFill>
-        <p:spPr>
-          <a:xfrm>
-            <a:off x="3838384" y="1990724"/>
-            <a:ext cx="1691640" cy="1435608"/>
-          </a:xfrm>
-        </p:spPr>
-      </p:pic>
-      <p:pic>
-        <p:nvPicPr>
-          <p:cNvPr id="38" name="그림 개체 틀 37" descr="사무실에서 카메라를 보며 미소 짓고 있는 여성&#10;">
-            <a:extLst>
-              <a:ext uri="{FF2B5EF4-FFF2-40B4-BE49-F238E27FC236}">
-                <a16:creationId xmlns:a16="http://schemas.microsoft.com/office/drawing/2014/main" id="{8A6BB597-41F4-432E-8432-8F39511B2941}"/>
-              </a:ext>
-            </a:extLst>
-          </p:cNvPr>
-          <p:cNvPicPr>
-            <a:picLocks noGrp="1" noChangeAspect="1"/>
-          </p:cNvPicPr>
-          <p:nvPr>
-            <p:ph type="pic" sz="quarter" idx="15"/>
-          </p:nvPr>
-        </p:nvPicPr>
-        <p:blipFill rotWithShape="1">
-          <a:blip r:embed="rId5" cstate="screen">
-            <a:extLst>
-              <a:ext uri="{28A0092B-C50C-407E-A947-70E740481C1C}">
-                <a14:useLocalDpi xmlns:a14="http://schemas.microsoft.com/office/drawing/2010/main" val="0"/>
-              </a:ext>
-            </a:extLst>
-          </a:blip>
-          <a:srcRect/>
-          <a:stretch/>
-        </p:blipFill>
-        <p:spPr>
-          <a:xfrm>
-            <a:off x="6661976" y="1993392"/>
-            <a:ext cx="1691640" cy="1435608"/>
-          </a:xfrm>
-        </p:spPr>
-      </p:pic>
-      <p:pic>
-        <p:nvPicPr>
-          <p:cNvPr id="40" name="그림 개체 틀 39" descr="수염이 있는 웃고 있는 남성">
-            <a:extLst>
-              <a:ext uri="{FF2B5EF4-FFF2-40B4-BE49-F238E27FC236}">
-                <a16:creationId xmlns:a16="http://schemas.microsoft.com/office/drawing/2014/main" id="{76B2FC80-9F3B-46D8-94D9-882D90A858F6}"/>
-              </a:ext>
-            </a:extLst>
-          </p:cNvPr>
-          <p:cNvPicPr>
-            <a:picLocks noGrp="1" noChangeAspect="1"/>
-          </p:cNvPicPr>
-          <p:nvPr>
-            <p:ph type="pic" sz="quarter" idx="16"/>
-          </p:nvPr>
-        </p:nvPicPr>
-        <p:blipFill rotWithShape="1">
-          <a:blip r:embed="rId6" cstate="screen">
-            <a:extLst>
-              <a:ext uri="{28A0092B-C50C-407E-A947-70E740481C1C}">
-                <a14:useLocalDpi xmlns:a14="http://schemas.microsoft.com/office/drawing/2010/main" val="0"/>
-              </a:ext>
-            </a:extLst>
-          </a:blip>
-          <a:srcRect/>
-          <a:stretch/>
-        </p:blipFill>
-        <p:spPr>
-          <a:xfrm>
-            <a:off x="9485568" y="1990724"/>
-            <a:ext cx="1691640" cy="1435608"/>
+            <a:off x="5535809" y="656633"/>
+            <a:ext cx="5132388" cy="5132388"/>
           </a:xfrm>
         </p:spPr>
       </p:pic>
       <p:sp>
         <p:nvSpPr>
-          <p:cNvPr id="41" name="텍스트 개체 틀 40">
+          <p:cNvPr id="19" name="날짜 개체 틀 18">
             <a:extLst>
               <a:ext uri="{FF2B5EF4-FFF2-40B4-BE49-F238E27FC236}">
-                <a16:creationId xmlns:a16="http://schemas.microsoft.com/office/drawing/2014/main" id="{91181F6D-A54F-4289-8C36-80ECE3B2C8E2}"/>
-              </a:ext>
-            </a:extLst>
-          </p:cNvPr>
-          <p:cNvSpPr>
-            <a:spLocks noGrp="1"/>
-          </p:cNvSpPr>
-          <p:nvPr>
-            <p:ph type="body" sz="quarter" idx="18"/>
-          </p:nvPr>
-        </p:nvSpPr>
-        <p:spPr>
-          <a:xfrm>
-            <a:off x="1079500" y="3781425"/>
-            <a:ext cx="1711325" cy="365760"/>
-          </a:xfrm>
-        </p:spPr>
-        <p:txBody>
-          <a:bodyPr rtlCol="0"/>
-          <a:lstStyle/>
-          <a:p>
-            <a:pPr rtl="0"/>
-            <a:r>
-              <a:rPr lang="ko-KR"/>
-              <a:t>이름</a:t>
-            </a:r>
-          </a:p>
-        </p:txBody>
-      </p:sp>
-      <p:sp>
-        <p:nvSpPr>
-          <p:cNvPr id="15" name="부제목 14">
-            <a:extLst>
-              <a:ext uri="{FF2B5EF4-FFF2-40B4-BE49-F238E27FC236}">
-                <a16:creationId xmlns:a16="http://schemas.microsoft.com/office/drawing/2014/main" id="{84D39D81-9726-4BD7-BDC0-FA0B2AD0D219}"/>
-              </a:ext>
-            </a:extLst>
-          </p:cNvPr>
-          <p:cNvSpPr>
-            <a:spLocks noGrp="1"/>
-          </p:cNvSpPr>
-          <p:nvPr>
-            <p:ph type="body" sz="quarter" idx="17"/>
-          </p:nvPr>
-        </p:nvSpPr>
-        <p:spPr>
-          <a:xfrm>
-            <a:off x="1078733" y="4232949"/>
-            <a:ext cx="1711572" cy="638175"/>
-          </a:xfrm>
-        </p:spPr>
-        <p:txBody>
-          <a:bodyPr rtlCol="0"/>
-          <a:lstStyle/>
-          <a:p>
-            <a:pPr rtl="0"/>
-            <a:r>
-              <a:rPr lang="ko-KR"/>
-              <a:t>제목</a:t>
-            </a:r>
-          </a:p>
-        </p:txBody>
-      </p:sp>
-      <p:sp>
-        <p:nvSpPr>
-          <p:cNvPr id="43" name="텍스트 개체 틀 42">
-            <a:extLst>
-              <a:ext uri="{FF2B5EF4-FFF2-40B4-BE49-F238E27FC236}">
-                <a16:creationId xmlns:a16="http://schemas.microsoft.com/office/drawing/2014/main" id="{E4387CED-5FBE-4AFF-B64D-975B5574F16F}"/>
-              </a:ext>
-            </a:extLst>
-          </p:cNvPr>
-          <p:cNvSpPr>
-            <a:spLocks noGrp="1"/>
-          </p:cNvSpPr>
-          <p:nvPr>
-            <p:ph type="body" sz="quarter" idx="20"/>
-          </p:nvPr>
-        </p:nvSpPr>
-        <p:spPr>
-          <a:xfrm>
-            <a:off x="3839151" y="3781425"/>
-            <a:ext cx="1711325" cy="365760"/>
-          </a:xfrm>
-        </p:spPr>
-        <p:txBody>
-          <a:bodyPr rtlCol="0"/>
-          <a:lstStyle/>
-          <a:p>
-            <a:pPr rtl="0"/>
-            <a:r>
-              <a:rPr lang="ko-KR"/>
-              <a:t>이름</a:t>
-            </a:r>
-          </a:p>
-        </p:txBody>
-      </p:sp>
-      <p:sp>
-        <p:nvSpPr>
-          <p:cNvPr id="42" name="텍스트 개체 틀 41">
-            <a:extLst>
-              <a:ext uri="{FF2B5EF4-FFF2-40B4-BE49-F238E27FC236}">
-                <a16:creationId xmlns:a16="http://schemas.microsoft.com/office/drawing/2014/main" id="{CCDF84CD-BC27-4182-9FBA-9D4FEED95410}"/>
-              </a:ext>
-            </a:extLst>
-          </p:cNvPr>
-          <p:cNvSpPr>
-            <a:spLocks noGrp="1"/>
-          </p:cNvSpPr>
-          <p:nvPr>
-            <p:ph type="body" sz="quarter" idx="19"/>
-          </p:nvPr>
-        </p:nvSpPr>
-        <p:spPr>
-          <a:xfrm>
-            <a:off x="3838384" y="4232949"/>
-            <a:ext cx="1711572" cy="638175"/>
-          </a:xfrm>
-        </p:spPr>
-        <p:txBody>
-          <a:bodyPr rtlCol="0"/>
-          <a:lstStyle/>
-          <a:p>
-            <a:pPr rtl="0"/>
-            <a:r>
-              <a:rPr lang="ko-KR"/>
-              <a:t>제목</a:t>
-            </a:r>
-          </a:p>
-        </p:txBody>
-      </p:sp>
-      <p:sp>
-        <p:nvSpPr>
-          <p:cNvPr id="45" name="텍스트 개체 틀 44">
-            <a:extLst>
-              <a:ext uri="{FF2B5EF4-FFF2-40B4-BE49-F238E27FC236}">
-                <a16:creationId xmlns:a16="http://schemas.microsoft.com/office/drawing/2014/main" id="{FE5CD03B-066A-46AF-8FB8-E8A78074ABEF}"/>
-              </a:ext>
-            </a:extLst>
-          </p:cNvPr>
-          <p:cNvSpPr>
-            <a:spLocks noGrp="1"/>
-          </p:cNvSpPr>
-          <p:nvPr>
-            <p:ph type="body" sz="quarter" idx="22"/>
-          </p:nvPr>
-        </p:nvSpPr>
-        <p:spPr>
-          <a:xfrm>
-            <a:off x="6662743" y="3781425"/>
-            <a:ext cx="1711325" cy="365760"/>
-          </a:xfrm>
-        </p:spPr>
-        <p:txBody>
-          <a:bodyPr rtlCol="0"/>
-          <a:lstStyle/>
-          <a:p>
-            <a:pPr rtl="0"/>
-            <a:r>
-              <a:rPr lang="ko-KR"/>
-              <a:t>이름</a:t>
-            </a:r>
-          </a:p>
-        </p:txBody>
-      </p:sp>
-      <p:sp>
-        <p:nvSpPr>
-          <p:cNvPr id="44" name="텍스트 개체 틀 43">
-            <a:extLst>
-              <a:ext uri="{FF2B5EF4-FFF2-40B4-BE49-F238E27FC236}">
-                <a16:creationId xmlns:a16="http://schemas.microsoft.com/office/drawing/2014/main" id="{10E83414-3440-46C7-8C07-7D073B69C422}"/>
-              </a:ext>
-            </a:extLst>
-          </p:cNvPr>
-          <p:cNvSpPr>
-            <a:spLocks noGrp="1"/>
-          </p:cNvSpPr>
-          <p:nvPr>
-            <p:ph type="body" sz="quarter" idx="21"/>
-          </p:nvPr>
-        </p:nvSpPr>
-        <p:spPr>
-          <a:xfrm>
-            <a:off x="6661976" y="4232949"/>
-            <a:ext cx="1711572" cy="638175"/>
-          </a:xfrm>
-        </p:spPr>
-        <p:txBody>
-          <a:bodyPr rtlCol="0"/>
-          <a:lstStyle/>
-          <a:p>
-            <a:pPr rtl="0"/>
-            <a:r>
-              <a:rPr lang="ko-KR"/>
-              <a:t>제목</a:t>
-            </a:r>
-          </a:p>
-        </p:txBody>
-      </p:sp>
-      <p:sp>
-        <p:nvSpPr>
-          <p:cNvPr id="47" name="텍스트 개체 틀 46">
-            <a:extLst>
-              <a:ext uri="{FF2B5EF4-FFF2-40B4-BE49-F238E27FC236}">
-                <a16:creationId xmlns:a16="http://schemas.microsoft.com/office/drawing/2014/main" id="{F4640D91-CB97-4FCC-8FEF-F4B22B844DC4}"/>
-              </a:ext>
-            </a:extLst>
-          </p:cNvPr>
-          <p:cNvSpPr>
-            <a:spLocks noGrp="1"/>
-          </p:cNvSpPr>
-          <p:nvPr>
-            <p:ph type="body" sz="quarter" idx="24"/>
-          </p:nvPr>
-        </p:nvSpPr>
-        <p:spPr>
-          <a:xfrm>
-            <a:off x="9433112" y="3787288"/>
-            <a:ext cx="1711325" cy="365760"/>
-          </a:xfrm>
-        </p:spPr>
-        <p:txBody>
-          <a:bodyPr rtlCol="0"/>
-          <a:lstStyle/>
-          <a:p>
-            <a:pPr rtl="0"/>
-            <a:r>
-              <a:rPr lang="ko-KR"/>
-              <a:t>이름</a:t>
-            </a:r>
-          </a:p>
-        </p:txBody>
-      </p:sp>
-      <p:sp>
-        <p:nvSpPr>
-          <p:cNvPr id="3" name="텍스트 개체 틀 2">
-            <a:extLst>
-              <a:ext uri="{FF2B5EF4-FFF2-40B4-BE49-F238E27FC236}">
-                <a16:creationId xmlns:a16="http://schemas.microsoft.com/office/drawing/2014/main" id="{B1C6A53C-7538-4FF9-BC09-EFC116FE7054}"/>
-              </a:ext>
-            </a:extLst>
-          </p:cNvPr>
-          <p:cNvSpPr>
-            <a:spLocks noGrp="1"/>
-          </p:cNvSpPr>
-          <p:nvPr>
-            <p:ph type="body" sz="quarter" idx="23"/>
-          </p:nvPr>
-        </p:nvSpPr>
-        <p:spPr>
-          <a:xfrm>
-            <a:off x="9432345" y="4238812"/>
-            <a:ext cx="1711572" cy="638175"/>
-          </a:xfrm>
-        </p:spPr>
-        <p:txBody>
-          <a:bodyPr rtlCol="0"/>
-          <a:lstStyle/>
-          <a:p>
-            <a:pPr rtl="0"/>
-            <a:r>
-              <a:rPr lang="ko-KR"/>
-              <a:t>제목</a:t>
-            </a:r>
-          </a:p>
-        </p:txBody>
-      </p:sp>
-      <p:sp>
-        <p:nvSpPr>
-          <p:cNvPr id="7" name="날짜 개체 틀 6">
-            <a:extLst>
-              <a:ext uri="{FF2B5EF4-FFF2-40B4-BE49-F238E27FC236}">
-                <a16:creationId xmlns:a16="http://schemas.microsoft.com/office/drawing/2014/main" id="{45F69D6A-822D-4DB9-A2CC-D9106F1F2B68}"/>
+                <a16:creationId xmlns:a16="http://schemas.microsoft.com/office/drawing/2014/main" id="{386DB667-0553-4FB8-B0E0-776539934AFF}"/>
               </a:ext>
             </a:extLst>
           </p:cNvPr>
@@ -25696,10 +25007,10 @@
       </p:sp>
       <p:sp>
         <p:nvSpPr>
-          <p:cNvPr id="8" name="바닥글 개체 틀 7">
+          <p:cNvPr id="20" name="바닥글 개체 틀 19">
             <a:extLst>
               <a:ext uri="{FF2B5EF4-FFF2-40B4-BE49-F238E27FC236}">
-                <a16:creationId xmlns:a16="http://schemas.microsoft.com/office/drawing/2014/main" id="{6375D7F3-165A-439B-8D1D-6553B68C2886}"/>
+                <a16:creationId xmlns:a16="http://schemas.microsoft.com/office/drawing/2014/main" id="{C77C6228-C5A8-44DC-ABD7-A22A4475D3DF}"/>
               </a:ext>
             </a:extLst>
           </p:cNvPr>
@@ -25730,10 +25041,10 @@
       </p:sp>
       <p:sp>
         <p:nvSpPr>
-          <p:cNvPr id="9" name="슬라이드 번호 개체 틀 8">
+          <p:cNvPr id="21" name="슬라이드 번호 개체 틀 20">
             <a:extLst>
               <a:ext uri="{FF2B5EF4-FFF2-40B4-BE49-F238E27FC236}">
-                <a16:creationId xmlns:a16="http://schemas.microsoft.com/office/drawing/2014/main" id="{7AF9A883-CC44-4401-AE67-8FCEACB7DDDA}"/>
+                <a16:creationId xmlns:a16="http://schemas.microsoft.com/office/drawing/2014/main" id="{1C563B34-DD53-4FB1-B8C2-8914E01C6365}"/>
               </a:ext>
             </a:extLst>
           </p:cNvPr>
@@ -25756,8 +25067,8 @@
           <a:p>
             <a:pPr rtl="0"/>
             <a:fld id="{DBA1B0FB-D917-4C8C-928F-313BD683BF39}" type="slidenum">
-              <a:rPr lang="ko-KR" smtClean="0"/>
-              <a:pPr/>
+              <a:rPr lang="en-US" altLang="ko-KR" smtClean="0"/>
+              <a:pPr rtl="0"/>
               <a:t>8</a:t>
             </a:fld>
             <a:endParaRPr lang="ko-KR"/>
@@ -25767,7 +25078,7 @@
     </p:spTree>
     <p:extLst>
       <p:ext uri="{BB962C8B-B14F-4D97-AF65-F5344CB8AC3E}">
-        <p14:creationId xmlns:p14="http://schemas.microsoft.com/office/powerpoint/2010/main" val="2979876663"/>
+        <p14:creationId xmlns:p14="http://schemas.microsoft.com/office/powerpoint/2010/main" val="395518310"/>
       </p:ext>
     </p:extLst>
   </p:cSld>
@@ -25796,10 +25107,10 @@
       </p:grpSpPr>
       <p:sp>
         <p:nvSpPr>
-          <p:cNvPr id="3" name="제목 2">
+          <p:cNvPr id="6" name="제목 5">
             <a:extLst>
               <a:ext uri="{FF2B5EF4-FFF2-40B4-BE49-F238E27FC236}">
-                <a16:creationId xmlns:a16="http://schemas.microsoft.com/office/drawing/2014/main" id="{FAD72D26-24EF-4CBD-9431-A558CB7CA906}"/>
+                <a16:creationId xmlns:a16="http://schemas.microsoft.com/office/drawing/2014/main" id="{ED2A30C0-1BC4-4764-9C0F-5D811CAB8312}"/>
               </a:ext>
             </a:extLst>
           </p:cNvPr>
@@ -25807,13 +25118,13 @@
             <a:spLocks noGrp="1"/>
           </p:cNvSpPr>
           <p:nvPr>
-            <p:ph type="title"/>
+            <p:ph type="ctrTitle"/>
           </p:nvPr>
         </p:nvSpPr>
         <p:spPr>
           <a:xfrm>
-            <a:off x="550862" y="549275"/>
-            <a:ext cx="11091600" cy="1332000"/>
+            <a:off x="548640" y="548640"/>
+            <a:ext cx="8281987" cy="1253041"/>
           </a:xfrm>
         </p:spPr>
         <p:txBody>
@@ -25823,48 +25134,425 @@
             <a:pPr rtl="0"/>
             <a:r>
               <a:rPr lang="ko-KR"/>
-              <a:t>시간 표시줄</a:t>
+              <a:t>팀</a:t>
             </a:r>
           </a:p>
         </p:txBody>
       </p:sp>
-      <p:graphicFrame>
-        <p:nvGraphicFramePr>
-          <p:cNvPr id="4" name="내용 개체 틀 3" descr="시간 표시줄 스마트 아트 개체 틀 ">
+      <p:pic>
+        <p:nvPicPr>
+          <p:cNvPr id="17" name="그림 개체 틀 16" descr="사무실에서 웃고 있는 남성">
             <a:extLst>
               <a:ext uri="{FF2B5EF4-FFF2-40B4-BE49-F238E27FC236}">
-                <a16:creationId xmlns:a16="http://schemas.microsoft.com/office/drawing/2014/main" id="{93897051-DA8D-4072-A594-51769F8D52F5}"/>
+                <a16:creationId xmlns:a16="http://schemas.microsoft.com/office/drawing/2014/main" id="{05ED5B1E-974F-476C-A3C9-572D3602E95E}"/>
               </a:ext>
             </a:extLst>
           </p:cNvPr>
-          <p:cNvGraphicFramePr>
-            <a:graphicFrameLocks noGrp="1"/>
-          </p:cNvGraphicFramePr>
+          <p:cNvPicPr>
+            <a:picLocks noGrp="1" noChangeAspect="1"/>
+          </p:cNvPicPr>
           <p:nvPr>
-            <p:ph idx="1"/>
-            <p:extLst>
-              <p:ext uri="{D42A27DB-BD31-4B8C-83A1-F6EECF244321}">
-                <p14:modId xmlns:p14="http://schemas.microsoft.com/office/powerpoint/2010/main" val="3705352389"/>
-              </p:ext>
-            </p:extLst>
+            <p:ph type="pic" sz="quarter" idx="13"/>
           </p:nvPr>
-        </p:nvGraphicFramePr>
-        <p:xfrm>
-          <a:off x="550863" y="2112963"/>
-          <a:ext cx="11090275" cy="3979862"/>
-        </p:xfrm>
-        <a:graphic>
-          <a:graphicData uri="http://schemas.openxmlformats.org/drawingml/2006/diagram">
-            <dgm:relIds xmlns:dgm="http://schemas.openxmlformats.org/drawingml/2006/diagram" xmlns:r="http://schemas.openxmlformats.org/officeDocument/2006/relationships" r:dm="rId3" r:lo="rId4" r:qs="rId5" r:cs="rId6"/>
-          </a:graphicData>
-        </a:graphic>
-      </p:graphicFrame>
+        </p:nvPicPr>
+        <p:blipFill rotWithShape="1">
+          <a:blip r:embed="rId3" cstate="screen">
+            <a:extLst>
+              <a:ext uri="{28A0092B-C50C-407E-A947-70E740481C1C}">
+                <a14:useLocalDpi xmlns:a14="http://schemas.microsoft.com/office/drawing/2010/main" val="0"/>
+              </a:ext>
+            </a:extLst>
+          </a:blip>
+          <a:srcRect/>
+          <a:stretch/>
+        </p:blipFill>
+        <p:spPr>
+          <a:xfrm>
+            <a:off x="1078992" y="1990724"/>
+            <a:ext cx="1691640" cy="1435608"/>
+          </a:xfrm>
+        </p:spPr>
+      </p:pic>
+      <p:pic>
+        <p:nvPicPr>
+          <p:cNvPr id="36" name="그림 개체 틀 35" descr="사무실에서 웃고 있는 여성">
+            <a:extLst>
+              <a:ext uri="{FF2B5EF4-FFF2-40B4-BE49-F238E27FC236}">
+                <a16:creationId xmlns:a16="http://schemas.microsoft.com/office/drawing/2014/main" id="{F3CCCCDF-EA66-4F5E-98F3-A05239CBBAC4}"/>
+              </a:ext>
+            </a:extLst>
+          </p:cNvPr>
+          <p:cNvPicPr>
+            <a:picLocks noGrp="1" noChangeAspect="1"/>
+          </p:cNvPicPr>
+          <p:nvPr>
+            <p:ph type="pic" sz="quarter" idx="14"/>
+          </p:nvPr>
+        </p:nvPicPr>
+        <p:blipFill rotWithShape="1">
+          <a:blip r:embed="rId4" cstate="screen">
+            <a:extLst>
+              <a:ext uri="{28A0092B-C50C-407E-A947-70E740481C1C}">
+                <a14:useLocalDpi xmlns:a14="http://schemas.microsoft.com/office/drawing/2010/main" val="0"/>
+              </a:ext>
+            </a:extLst>
+          </a:blip>
+          <a:srcRect/>
+          <a:stretch/>
+        </p:blipFill>
+        <p:spPr>
+          <a:xfrm>
+            <a:off x="3838384" y="1990724"/>
+            <a:ext cx="1691640" cy="1435608"/>
+          </a:xfrm>
+        </p:spPr>
+      </p:pic>
+      <p:pic>
+        <p:nvPicPr>
+          <p:cNvPr id="38" name="그림 개체 틀 37" descr="사무실에서 카메라를 보며 미소 짓고 있는 여성&#10;">
+            <a:extLst>
+              <a:ext uri="{FF2B5EF4-FFF2-40B4-BE49-F238E27FC236}">
+                <a16:creationId xmlns:a16="http://schemas.microsoft.com/office/drawing/2014/main" id="{8A6BB597-41F4-432E-8432-8F39511B2941}"/>
+              </a:ext>
+            </a:extLst>
+          </p:cNvPr>
+          <p:cNvPicPr>
+            <a:picLocks noGrp="1" noChangeAspect="1"/>
+          </p:cNvPicPr>
+          <p:nvPr>
+            <p:ph type="pic" sz="quarter" idx="15"/>
+          </p:nvPr>
+        </p:nvPicPr>
+        <p:blipFill rotWithShape="1">
+          <a:blip r:embed="rId5" cstate="screen">
+            <a:extLst>
+              <a:ext uri="{28A0092B-C50C-407E-A947-70E740481C1C}">
+                <a14:useLocalDpi xmlns:a14="http://schemas.microsoft.com/office/drawing/2010/main" val="0"/>
+              </a:ext>
+            </a:extLst>
+          </a:blip>
+          <a:srcRect/>
+          <a:stretch/>
+        </p:blipFill>
+        <p:spPr>
+          <a:xfrm>
+            <a:off x="6661976" y="1993392"/>
+            <a:ext cx="1691640" cy="1435608"/>
+          </a:xfrm>
+        </p:spPr>
+      </p:pic>
+      <p:pic>
+        <p:nvPicPr>
+          <p:cNvPr id="40" name="그림 개체 틀 39" descr="수염이 있는 웃고 있는 남성">
+            <a:extLst>
+              <a:ext uri="{FF2B5EF4-FFF2-40B4-BE49-F238E27FC236}">
+                <a16:creationId xmlns:a16="http://schemas.microsoft.com/office/drawing/2014/main" id="{76B2FC80-9F3B-46D8-94D9-882D90A858F6}"/>
+              </a:ext>
+            </a:extLst>
+          </p:cNvPr>
+          <p:cNvPicPr>
+            <a:picLocks noGrp="1" noChangeAspect="1"/>
+          </p:cNvPicPr>
+          <p:nvPr>
+            <p:ph type="pic" sz="quarter" idx="16"/>
+          </p:nvPr>
+        </p:nvPicPr>
+        <p:blipFill rotWithShape="1">
+          <a:blip r:embed="rId6" cstate="screen">
+            <a:extLst>
+              <a:ext uri="{28A0092B-C50C-407E-A947-70E740481C1C}">
+                <a14:useLocalDpi xmlns:a14="http://schemas.microsoft.com/office/drawing/2010/main" val="0"/>
+              </a:ext>
+            </a:extLst>
+          </a:blip>
+          <a:srcRect/>
+          <a:stretch/>
+        </p:blipFill>
+        <p:spPr>
+          <a:xfrm>
+            <a:off x="9485568" y="1990724"/>
+            <a:ext cx="1691640" cy="1435608"/>
+          </a:xfrm>
+        </p:spPr>
+      </p:pic>
       <p:sp>
         <p:nvSpPr>
-          <p:cNvPr id="2" name="날짜 개체 틀 1">
+          <p:cNvPr id="41" name="텍스트 개체 틀 40">
             <a:extLst>
               <a:ext uri="{FF2B5EF4-FFF2-40B4-BE49-F238E27FC236}">
-                <a16:creationId xmlns:a16="http://schemas.microsoft.com/office/drawing/2014/main" id="{81FCAF0A-629F-4EC6-B3E6-563ED999F360}"/>
+                <a16:creationId xmlns:a16="http://schemas.microsoft.com/office/drawing/2014/main" id="{91181F6D-A54F-4289-8C36-80ECE3B2C8E2}"/>
+              </a:ext>
+            </a:extLst>
+          </p:cNvPr>
+          <p:cNvSpPr>
+            <a:spLocks noGrp="1"/>
+          </p:cNvSpPr>
+          <p:nvPr>
+            <p:ph type="body" sz="quarter" idx="18"/>
+          </p:nvPr>
+        </p:nvSpPr>
+        <p:spPr>
+          <a:xfrm>
+            <a:off x="1079500" y="3781425"/>
+            <a:ext cx="1711325" cy="365760"/>
+          </a:xfrm>
+        </p:spPr>
+        <p:txBody>
+          <a:bodyPr rtlCol="0"/>
+          <a:lstStyle/>
+          <a:p>
+            <a:pPr rtl="0"/>
+            <a:r>
+              <a:rPr lang="ko-KR"/>
+              <a:t>이름</a:t>
+            </a:r>
+          </a:p>
+        </p:txBody>
+      </p:sp>
+      <p:sp>
+        <p:nvSpPr>
+          <p:cNvPr id="15" name="부제목 14">
+            <a:extLst>
+              <a:ext uri="{FF2B5EF4-FFF2-40B4-BE49-F238E27FC236}">
+                <a16:creationId xmlns:a16="http://schemas.microsoft.com/office/drawing/2014/main" id="{84D39D81-9726-4BD7-BDC0-FA0B2AD0D219}"/>
+              </a:ext>
+            </a:extLst>
+          </p:cNvPr>
+          <p:cNvSpPr>
+            <a:spLocks noGrp="1"/>
+          </p:cNvSpPr>
+          <p:nvPr>
+            <p:ph type="body" sz="quarter" idx="17"/>
+          </p:nvPr>
+        </p:nvSpPr>
+        <p:spPr>
+          <a:xfrm>
+            <a:off x="1078733" y="4232949"/>
+            <a:ext cx="1711572" cy="638175"/>
+          </a:xfrm>
+        </p:spPr>
+        <p:txBody>
+          <a:bodyPr rtlCol="0"/>
+          <a:lstStyle/>
+          <a:p>
+            <a:pPr rtl="0"/>
+            <a:r>
+              <a:rPr lang="ko-KR"/>
+              <a:t>제목</a:t>
+            </a:r>
+          </a:p>
+        </p:txBody>
+      </p:sp>
+      <p:sp>
+        <p:nvSpPr>
+          <p:cNvPr id="43" name="텍스트 개체 틀 42">
+            <a:extLst>
+              <a:ext uri="{FF2B5EF4-FFF2-40B4-BE49-F238E27FC236}">
+                <a16:creationId xmlns:a16="http://schemas.microsoft.com/office/drawing/2014/main" id="{E4387CED-5FBE-4AFF-B64D-975B5574F16F}"/>
+              </a:ext>
+            </a:extLst>
+          </p:cNvPr>
+          <p:cNvSpPr>
+            <a:spLocks noGrp="1"/>
+          </p:cNvSpPr>
+          <p:nvPr>
+            <p:ph type="body" sz="quarter" idx="20"/>
+          </p:nvPr>
+        </p:nvSpPr>
+        <p:spPr>
+          <a:xfrm>
+            <a:off x="3839151" y="3781425"/>
+            <a:ext cx="1711325" cy="365760"/>
+          </a:xfrm>
+        </p:spPr>
+        <p:txBody>
+          <a:bodyPr rtlCol="0"/>
+          <a:lstStyle/>
+          <a:p>
+            <a:pPr rtl="0"/>
+            <a:r>
+              <a:rPr lang="ko-KR"/>
+              <a:t>이름</a:t>
+            </a:r>
+          </a:p>
+        </p:txBody>
+      </p:sp>
+      <p:sp>
+        <p:nvSpPr>
+          <p:cNvPr id="42" name="텍스트 개체 틀 41">
+            <a:extLst>
+              <a:ext uri="{FF2B5EF4-FFF2-40B4-BE49-F238E27FC236}">
+                <a16:creationId xmlns:a16="http://schemas.microsoft.com/office/drawing/2014/main" id="{CCDF84CD-BC27-4182-9FBA-9D4FEED95410}"/>
+              </a:ext>
+            </a:extLst>
+          </p:cNvPr>
+          <p:cNvSpPr>
+            <a:spLocks noGrp="1"/>
+          </p:cNvSpPr>
+          <p:nvPr>
+            <p:ph type="body" sz="quarter" idx="19"/>
+          </p:nvPr>
+        </p:nvSpPr>
+        <p:spPr>
+          <a:xfrm>
+            <a:off x="3838384" y="4232949"/>
+            <a:ext cx="1711572" cy="638175"/>
+          </a:xfrm>
+        </p:spPr>
+        <p:txBody>
+          <a:bodyPr rtlCol="0"/>
+          <a:lstStyle/>
+          <a:p>
+            <a:pPr rtl="0"/>
+            <a:r>
+              <a:rPr lang="ko-KR"/>
+              <a:t>제목</a:t>
+            </a:r>
+          </a:p>
+        </p:txBody>
+      </p:sp>
+      <p:sp>
+        <p:nvSpPr>
+          <p:cNvPr id="45" name="텍스트 개체 틀 44">
+            <a:extLst>
+              <a:ext uri="{FF2B5EF4-FFF2-40B4-BE49-F238E27FC236}">
+                <a16:creationId xmlns:a16="http://schemas.microsoft.com/office/drawing/2014/main" id="{FE5CD03B-066A-46AF-8FB8-E8A78074ABEF}"/>
+              </a:ext>
+            </a:extLst>
+          </p:cNvPr>
+          <p:cNvSpPr>
+            <a:spLocks noGrp="1"/>
+          </p:cNvSpPr>
+          <p:nvPr>
+            <p:ph type="body" sz="quarter" idx="22"/>
+          </p:nvPr>
+        </p:nvSpPr>
+        <p:spPr>
+          <a:xfrm>
+            <a:off x="6662743" y="3781425"/>
+            <a:ext cx="1711325" cy="365760"/>
+          </a:xfrm>
+        </p:spPr>
+        <p:txBody>
+          <a:bodyPr rtlCol="0"/>
+          <a:lstStyle/>
+          <a:p>
+            <a:pPr rtl="0"/>
+            <a:r>
+              <a:rPr lang="ko-KR"/>
+              <a:t>이름</a:t>
+            </a:r>
+          </a:p>
+        </p:txBody>
+      </p:sp>
+      <p:sp>
+        <p:nvSpPr>
+          <p:cNvPr id="44" name="텍스트 개체 틀 43">
+            <a:extLst>
+              <a:ext uri="{FF2B5EF4-FFF2-40B4-BE49-F238E27FC236}">
+                <a16:creationId xmlns:a16="http://schemas.microsoft.com/office/drawing/2014/main" id="{10E83414-3440-46C7-8C07-7D073B69C422}"/>
+              </a:ext>
+            </a:extLst>
+          </p:cNvPr>
+          <p:cNvSpPr>
+            <a:spLocks noGrp="1"/>
+          </p:cNvSpPr>
+          <p:nvPr>
+            <p:ph type="body" sz="quarter" idx="21"/>
+          </p:nvPr>
+        </p:nvSpPr>
+        <p:spPr>
+          <a:xfrm>
+            <a:off x="6661976" y="4232949"/>
+            <a:ext cx="1711572" cy="638175"/>
+          </a:xfrm>
+        </p:spPr>
+        <p:txBody>
+          <a:bodyPr rtlCol="0"/>
+          <a:lstStyle/>
+          <a:p>
+            <a:pPr rtl="0"/>
+            <a:r>
+              <a:rPr lang="ko-KR"/>
+              <a:t>제목</a:t>
+            </a:r>
+          </a:p>
+        </p:txBody>
+      </p:sp>
+      <p:sp>
+        <p:nvSpPr>
+          <p:cNvPr id="47" name="텍스트 개체 틀 46">
+            <a:extLst>
+              <a:ext uri="{FF2B5EF4-FFF2-40B4-BE49-F238E27FC236}">
+                <a16:creationId xmlns:a16="http://schemas.microsoft.com/office/drawing/2014/main" id="{F4640D91-CB97-4FCC-8FEF-F4B22B844DC4}"/>
+              </a:ext>
+            </a:extLst>
+          </p:cNvPr>
+          <p:cNvSpPr>
+            <a:spLocks noGrp="1"/>
+          </p:cNvSpPr>
+          <p:nvPr>
+            <p:ph type="body" sz="quarter" idx="24"/>
+          </p:nvPr>
+        </p:nvSpPr>
+        <p:spPr>
+          <a:xfrm>
+            <a:off x="9433112" y="3787288"/>
+            <a:ext cx="1711325" cy="365760"/>
+          </a:xfrm>
+        </p:spPr>
+        <p:txBody>
+          <a:bodyPr rtlCol="0"/>
+          <a:lstStyle/>
+          <a:p>
+            <a:pPr rtl="0"/>
+            <a:r>
+              <a:rPr lang="ko-KR"/>
+              <a:t>이름</a:t>
+            </a:r>
+          </a:p>
+        </p:txBody>
+      </p:sp>
+      <p:sp>
+        <p:nvSpPr>
+          <p:cNvPr id="3" name="텍스트 개체 틀 2">
+            <a:extLst>
+              <a:ext uri="{FF2B5EF4-FFF2-40B4-BE49-F238E27FC236}">
+                <a16:creationId xmlns:a16="http://schemas.microsoft.com/office/drawing/2014/main" id="{B1C6A53C-7538-4FF9-BC09-EFC116FE7054}"/>
+              </a:ext>
+            </a:extLst>
+          </p:cNvPr>
+          <p:cNvSpPr>
+            <a:spLocks noGrp="1"/>
+          </p:cNvSpPr>
+          <p:nvPr>
+            <p:ph type="body" sz="quarter" idx="23"/>
+          </p:nvPr>
+        </p:nvSpPr>
+        <p:spPr>
+          <a:xfrm>
+            <a:off x="9432345" y="4238812"/>
+            <a:ext cx="1711572" cy="638175"/>
+          </a:xfrm>
+        </p:spPr>
+        <p:txBody>
+          <a:bodyPr rtlCol="0"/>
+          <a:lstStyle/>
+          <a:p>
+            <a:pPr rtl="0"/>
+            <a:r>
+              <a:rPr lang="ko-KR"/>
+              <a:t>제목</a:t>
+            </a:r>
+          </a:p>
+        </p:txBody>
+      </p:sp>
+      <p:sp>
+        <p:nvSpPr>
+          <p:cNvPr id="7" name="날짜 개체 틀 6">
+            <a:extLst>
+              <a:ext uri="{FF2B5EF4-FFF2-40B4-BE49-F238E27FC236}">
+                <a16:creationId xmlns:a16="http://schemas.microsoft.com/office/drawing/2014/main" id="{45F69D6A-822D-4DB9-A2CC-D9106F1F2B68}"/>
               </a:ext>
             </a:extLst>
           </p:cNvPr>
@@ -25896,10 +25584,10 @@
       </p:sp>
       <p:sp>
         <p:nvSpPr>
-          <p:cNvPr id="7" name="바닥글 개체 틀 6">
+          <p:cNvPr id="8" name="바닥글 개체 틀 7">
             <a:extLst>
               <a:ext uri="{FF2B5EF4-FFF2-40B4-BE49-F238E27FC236}">
-                <a16:creationId xmlns:a16="http://schemas.microsoft.com/office/drawing/2014/main" id="{920A7C57-D6C5-4BA0-AB3C-41D4E3436B0E}"/>
+                <a16:creationId xmlns:a16="http://schemas.microsoft.com/office/drawing/2014/main" id="{6375D7F3-165A-439B-8D1D-6553B68C2886}"/>
               </a:ext>
             </a:extLst>
           </p:cNvPr>
@@ -25930,10 +25618,10 @@
       </p:sp>
       <p:sp>
         <p:nvSpPr>
-          <p:cNvPr id="6" name="슬라이드 번호 개체 틀 5">
+          <p:cNvPr id="9" name="슬라이드 번호 개체 틀 8">
             <a:extLst>
               <a:ext uri="{FF2B5EF4-FFF2-40B4-BE49-F238E27FC236}">
-                <a16:creationId xmlns:a16="http://schemas.microsoft.com/office/drawing/2014/main" id="{5E5CAC52-3FD1-464A-805A-B8F7AF04574A}"/>
+                <a16:creationId xmlns:a16="http://schemas.microsoft.com/office/drawing/2014/main" id="{7AF9A883-CC44-4401-AE67-8FCEACB7DDDA}"/>
               </a:ext>
             </a:extLst>
           </p:cNvPr>
@@ -25956,8 +25644,8 @@
           <a:p>
             <a:pPr rtl="0"/>
             <a:fld id="{DBA1B0FB-D917-4C8C-928F-313BD683BF39}" type="slidenum">
-              <a:rPr lang="ko-KR" smtClean="0"/>
-              <a:pPr/>
+              <a:rPr lang="en-US" altLang="ko-KR" smtClean="0"/>
+              <a:pPr rtl="0"/>
               <a:t>9</a:t>
             </a:fld>
             <a:endParaRPr lang="ko-KR"/>
@@ -25967,7 +25655,7 @@
     </p:spTree>
     <p:extLst>
       <p:ext uri="{BB962C8B-B14F-4D97-AF65-F5344CB8AC3E}">
-        <p14:creationId xmlns:p14="http://schemas.microsoft.com/office/powerpoint/2010/main" val="2624630061"/>
+        <p14:creationId xmlns:p14="http://schemas.microsoft.com/office/powerpoint/2010/main" val="2979876663"/>
       </p:ext>
     </p:extLst>
   </p:cSld>
@@ -26769,15 +26457,6 @@
 </file>
 
 <file path=customXml/item1.xml><?xml version="1.0" encoding="utf-8"?>
-<?mso-contentType ?>
-<FormTemplates xmlns="http://schemas.microsoft.com/sharepoint/v3/contenttype/forms">
-  <Display>DocumentLibraryForm</Display>
-  <Edit>DocumentLibraryForm</Edit>
-  <New>DocumentLibraryForm</New>
-</FormTemplates>
-</file>
-
-<file path=customXml/item2.xml><?xml version="1.0" encoding="utf-8"?>
 <p:properties xmlns:p="http://schemas.microsoft.com/office/2006/metadata/properties" xmlns:xsi="http://www.w3.org/2001/XMLSchema-instance" xmlns:pc="http://schemas.microsoft.com/office/infopath/2007/PartnerControls">
   <documentManagement>
     <_ip_UnifiedCompliancePolicyUIAction xmlns="http://schemas.microsoft.com/sharepoint/v3" xsi:nil="true"/>
@@ -26794,6 +26473,15 @@
     <MediaServiceKeyPoints xmlns="71af3243-3dd4-4a8d-8c0d-dd76da1f02a5" xsi:nil="true"/>
   </documentManagement>
 </p:properties>
+</file>
+
+<file path=customXml/item2.xml><?xml version="1.0" encoding="utf-8"?>
+<?mso-contentType ?>
+<FormTemplates xmlns="http://schemas.microsoft.com/sharepoint/v3/contenttype/forms">
+  <Display>DocumentLibraryForm</Display>
+  <Edit>DocumentLibraryForm</Edit>
+  <New>DocumentLibraryForm</New>
+</FormTemplates>
 </file>
 
 <file path=customXml/item3.xml><?xml version="1.0" encoding="utf-8"?>
@@ -27073,14 +26761,6 @@
 </file>
 
 <file path=customXml/itemProps1.xml><?xml version="1.0" encoding="utf-8"?>
-<ds:datastoreItem xmlns:ds="http://schemas.openxmlformats.org/officeDocument/2006/customXml" ds:itemID="{904751AB-E840-446F-8D49-E697067EC887}">
-  <ds:schemaRefs>
-    <ds:schemaRef ds:uri="http://schemas.microsoft.com/sharepoint/v3/contenttype/forms"/>
-  </ds:schemaRefs>
-</ds:datastoreItem>
-</file>
-
-<file path=customXml/itemProps2.xml><?xml version="1.0" encoding="utf-8"?>
 <ds:datastoreItem xmlns:ds="http://schemas.openxmlformats.org/officeDocument/2006/customXml" ds:itemID="{50811A92-D464-4AC4-A396-BA73B10CEEAC}">
   <ds:schemaRefs>
     <ds:schemaRef ds:uri="http://schemas.microsoft.com/office/2006/metadata/properties"/>
@@ -27088,6 +26768,14 @@
     <ds:schemaRef ds:uri="http://schemas.microsoft.com/sharepoint/v3"/>
     <ds:schemaRef ds:uri="71af3243-3dd4-4a8d-8c0d-dd76da1f02a5"/>
     <ds:schemaRef ds:uri="230e9df3-be65-4c73-a93b-d1236ebd677e"/>
+  </ds:schemaRefs>
+</ds:datastoreItem>
+</file>
+
+<file path=customXml/itemProps2.xml><?xml version="1.0" encoding="utf-8"?>
+<ds:datastoreItem xmlns:ds="http://schemas.openxmlformats.org/officeDocument/2006/customXml" ds:itemID="{904751AB-E840-446F-8D49-E697067EC887}">
+  <ds:schemaRefs>
+    <ds:schemaRef ds:uri="http://schemas.microsoft.com/sharepoint/v3/contenttype/forms"/>
   </ds:schemaRefs>
 </ds:datastoreItem>
 </file>
